--- a/mine/PPTs/班会.pptx
+++ b/mine/PPTs/班会.pptx
@@ -5,11 +5,15 @@
     <p:sldMasterId id="2147483648" r:id="rId1"/>
   </p:sldMasterIdLst>
   <p:notesMasterIdLst>
-    <p:notesMasterId r:id="rId4"/>
+    <p:notesMasterId r:id="rId8"/>
   </p:notesMasterIdLst>
   <p:sldIdLst>
     <p:sldId id="256" r:id="rId2"/>
     <p:sldId id="257" r:id="rId3"/>
+    <p:sldId id="258" r:id="rId4"/>
+    <p:sldId id="259" r:id="rId5"/>
+    <p:sldId id="260" r:id="rId6"/>
+    <p:sldId id="261" r:id="rId7"/>
   </p:sldIdLst>
   <p:sldSz cx="12192000" cy="6858000"/>
   <p:notesSz cx="6858000" cy="9144000"/>
@@ -108,6 +112,11 @@
       </a:defRPr>
     </a:lvl9pPr>
   </p:defaultTextStyle>
+  <p:extLst>
+    <p:ext uri="{EFAFB233-063F-42B5-8137-9DF3F51BA10A}">
+      <p15:sldGuideLst xmlns:p15="http://schemas.microsoft.com/office/powerpoint/2012/main"/>
+    </p:ext>
+  </p:extLst>
 </p:presentation>
 </file>
 
@@ -193,7 +202,7 @@
           <a:p>
             <a:fld id="{958BA081-4E6F-41AC-8086-AB4E55D095B4}" type="datetimeFigureOut">
               <a:rPr lang="zh-CN" altLang="en-US" smtClean="0"/>
-              <a:t>2023/5/23</a:t>
+              <a:t>2023/5/24</a:t>
             </a:fld>
             <a:endParaRPr lang="zh-CN" altLang="en-US"/>
           </a:p>
@@ -556,6 +565,450 @@
 </p:notes>
 </file>
 
+<file path=ppt/notesSlides/notesSlide2.xml><?xml version="1.0" encoding="utf-8"?>
+<p:notes xmlns:a="http://schemas.openxmlformats.org/drawingml/2006/main" xmlns:r="http://schemas.openxmlformats.org/officeDocument/2006/relationships" xmlns:p="http://schemas.openxmlformats.org/presentationml/2006/main">
+  <p:cSld>
+    <p:spTree>
+      <p:nvGrpSpPr>
+        <p:cNvPr id="1" name=""/>
+        <p:cNvGrpSpPr/>
+        <p:nvPr/>
+      </p:nvGrpSpPr>
+      <p:grpSpPr>
+        <a:xfrm>
+          <a:off x="0" y="0"/>
+          <a:ext cx="0" cy="0"/>
+          <a:chOff x="0" y="0"/>
+          <a:chExt cx="0" cy="0"/>
+        </a:xfrm>
+      </p:grpSpPr>
+      <p:sp>
+        <p:nvSpPr>
+          <p:cNvPr id="2" name="幻灯片图像占位符 1"/>
+          <p:cNvSpPr>
+            <a:spLocks noGrp="1" noRot="1" noChangeAspect="1"/>
+          </p:cNvSpPr>
+          <p:nvPr>
+            <p:ph type="sldImg"/>
+          </p:nvPr>
+        </p:nvSpPr>
+        <p:spPr/>
+      </p:sp>
+      <p:sp>
+        <p:nvSpPr>
+          <p:cNvPr id="3" name="备注占位符 2"/>
+          <p:cNvSpPr>
+            <a:spLocks noGrp="1"/>
+          </p:cNvSpPr>
+          <p:nvPr>
+            <p:ph type="body" idx="1"/>
+          </p:nvPr>
+        </p:nvSpPr>
+        <p:spPr/>
+        <p:txBody>
+          <a:bodyPr/>
+          <a:lstStyle/>
+          <a:p>
+            <a:r>
+              <a:rPr lang="zh-CN" altLang="en-US" dirty="0"/>
+              <a:t>模板：正常页</a:t>
+            </a:r>
+          </a:p>
+        </p:txBody>
+      </p:sp>
+      <p:sp>
+        <p:nvSpPr>
+          <p:cNvPr id="4" name="灯片编号占位符 3"/>
+          <p:cNvSpPr>
+            <a:spLocks noGrp="1"/>
+          </p:cNvSpPr>
+          <p:nvPr>
+            <p:ph type="sldNum" sz="quarter" idx="5"/>
+          </p:nvPr>
+        </p:nvSpPr>
+        <p:spPr/>
+        <p:txBody>
+          <a:bodyPr/>
+          <a:lstStyle/>
+          <a:p>
+            <a:fld id="{9E07FC14-18AC-4B52-8E71-A13AC8238BF3}" type="slidenum">
+              <a:rPr lang="zh-CN" altLang="en-US" smtClean="0"/>
+              <a:t>2</a:t>
+            </a:fld>
+            <a:endParaRPr lang="zh-CN" altLang="en-US"/>
+          </a:p>
+        </p:txBody>
+      </p:sp>
+    </p:spTree>
+    <p:extLst>
+      <p:ext uri="{BB962C8B-B14F-4D97-AF65-F5344CB8AC3E}">
+        <p14:creationId xmlns:p14="http://schemas.microsoft.com/office/powerpoint/2010/main" val="1571257340"/>
+      </p:ext>
+    </p:extLst>
+  </p:cSld>
+  <p:clrMapOvr>
+    <a:masterClrMapping/>
+  </p:clrMapOvr>
+</p:notes>
+</file>
+
+<file path=ppt/notesSlides/notesSlide3.xml><?xml version="1.0" encoding="utf-8"?>
+<p:notes xmlns:a="http://schemas.openxmlformats.org/drawingml/2006/main" xmlns:r="http://schemas.openxmlformats.org/officeDocument/2006/relationships" xmlns:p="http://schemas.openxmlformats.org/presentationml/2006/main">
+  <p:cSld>
+    <p:spTree>
+      <p:nvGrpSpPr>
+        <p:cNvPr id="1" name=""/>
+        <p:cNvGrpSpPr/>
+        <p:nvPr/>
+      </p:nvGrpSpPr>
+      <p:grpSpPr>
+        <a:xfrm>
+          <a:off x="0" y="0"/>
+          <a:ext cx="0" cy="0"/>
+          <a:chOff x="0" y="0"/>
+          <a:chExt cx="0" cy="0"/>
+        </a:xfrm>
+      </p:grpSpPr>
+      <p:sp>
+        <p:nvSpPr>
+          <p:cNvPr id="2" name="幻灯片图像占位符 1"/>
+          <p:cNvSpPr>
+            <a:spLocks noGrp="1" noRot="1" noChangeAspect="1"/>
+          </p:cNvSpPr>
+          <p:nvPr>
+            <p:ph type="sldImg"/>
+          </p:nvPr>
+        </p:nvSpPr>
+        <p:spPr/>
+      </p:sp>
+      <p:sp>
+        <p:nvSpPr>
+          <p:cNvPr id="3" name="备注占位符 2"/>
+          <p:cNvSpPr>
+            <a:spLocks noGrp="1"/>
+          </p:cNvSpPr>
+          <p:nvPr>
+            <p:ph type="body" idx="1"/>
+          </p:nvPr>
+        </p:nvSpPr>
+        <p:spPr/>
+        <p:txBody>
+          <a:bodyPr/>
+          <a:lstStyle/>
+          <a:p>
+            <a:r>
+              <a:rPr lang="zh-CN" altLang="en-US" dirty="0"/>
+              <a:t>模板：目录</a:t>
+            </a:r>
+          </a:p>
+        </p:txBody>
+      </p:sp>
+      <p:sp>
+        <p:nvSpPr>
+          <p:cNvPr id="4" name="灯片编号占位符 3"/>
+          <p:cNvSpPr>
+            <a:spLocks noGrp="1"/>
+          </p:cNvSpPr>
+          <p:nvPr>
+            <p:ph type="sldNum" sz="quarter" idx="5"/>
+          </p:nvPr>
+        </p:nvSpPr>
+        <p:spPr/>
+        <p:txBody>
+          <a:bodyPr/>
+          <a:lstStyle/>
+          <a:p>
+            <a:fld id="{9E07FC14-18AC-4B52-8E71-A13AC8238BF3}" type="slidenum">
+              <a:rPr lang="zh-CN" altLang="en-US" smtClean="0"/>
+              <a:t>3</a:t>
+            </a:fld>
+            <a:endParaRPr lang="zh-CN" altLang="en-US"/>
+          </a:p>
+        </p:txBody>
+      </p:sp>
+    </p:spTree>
+    <p:extLst>
+      <p:ext uri="{BB962C8B-B14F-4D97-AF65-F5344CB8AC3E}">
+        <p14:creationId xmlns:p14="http://schemas.microsoft.com/office/powerpoint/2010/main" val="509378415"/>
+      </p:ext>
+    </p:extLst>
+  </p:cSld>
+  <p:clrMapOvr>
+    <a:masterClrMapping/>
+  </p:clrMapOvr>
+</p:notes>
+</file>
+
+<file path=ppt/notesSlides/notesSlide4.xml><?xml version="1.0" encoding="utf-8"?>
+<p:notes xmlns:a="http://schemas.openxmlformats.org/drawingml/2006/main" xmlns:r="http://schemas.openxmlformats.org/officeDocument/2006/relationships" xmlns:p="http://schemas.openxmlformats.org/presentationml/2006/main">
+  <p:cSld>
+    <p:spTree>
+      <p:nvGrpSpPr>
+        <p:cNvPr id="1" name=""/>
+        <p:cNvGrpSpPr/>
+        <p:nvPr/>
+      </p:nvGrpSpPr>
+      <p:grpSpPr>
+        <a:xfrm>
+          <a:off x="0" y="0"/>
+          <a:ext cx="0" cy="0"/>
+          <a:chOff x="0" y="0"/>
+          <a:chExt cx="0" cy="0"/>
+        </a:xfrm>
+      </p:grpSpPr>
+      <p:sp>
+        <p:nvSpPr>
+          <p:cNvPr id="2" name="幻灯片图像占位符 1"/>
+          <p:cNvSpPr>
+            <a:spLocks noGrp="1" noRot="1" noChangeAspect="1"/>
+          </p:cNvSpPr>
+          <p:nvPr>
+            <p:ph type="sldImg"/>
+          </p:nvPr>
+        </p:nvSpPr>
+        <p:spPr/>
+      </p:sp>
+      <p:sp>
+        <p:nvSpPr>
+          <p:cNvPr id="3" name="备注占位符 2"/>
+          <p:cNvSpPr>
+            <a:spLocks noGrp="1"/>
+          </p:cNvSpPr>
+          <p:nvPr>
+            <p:ph type="body" idx="1"/>
+          </p:nvPr>
+        </p:nvSpPr>
+        <p:spPr/>
+        <p:txBody>
+          <a:bodyPr/>
+          <a:lstStyle/>
+          <a:p>
+            <a:r>
+              <a:rPr lang="zh-CN" altLang="en-US" dirty="0"/>
+              <a:t>模板：主题起始页</a:t>
+            </a:r>
+          </a:p>
+        </p:txBody>
+      </p:sp>
+      <p:sp>
+        <p:nvSpPr>
+          <p:cNvPr id="4" name="灯片编号占位符 3"/>
+          <p:cNvSpPr>
+            <a:spLocks noGrp="1"/>
+          </p:cNvSpPr>
+          <p:nvPr>
+            <p:ph type="sldNum" sz="quarter" idx="5"/>
+          </p:nvPr>
+        </p:nvSpPr>
+        <p:spPr/>
+        <p:txBody>
+          <a:bodyPr/>
+          <a:lstStyle/>
+          <a:p>
+            <a:fld id="{9E07FC14-18AC-4B52-8E71-A13AC8238BF3}" type="slidenum">
+              <a:rPr lang="zh-CN" altLang="en-US" smtClean="0"/>
+              <a:t>4</a:t>
+            </a:fld>
+            <a:endParaRPr lang="zh-CN" altLang="en-US"/>
+          </a:p>
+        </p:txBody>
+      </p:sp>
+    </p:spTree>
+    <p:extLst>
+      <p:ext uri="{BB962C8B-B14F-4D97-AF65-F5344CB8AC3E}">
+        <p14:creationId xmlns:p14="http://schemas.microsoft.com/office/powerpoint/2010/main" val="1880678592"/>
+      </p:ext>
+    </p:extLst>
+  </p:cSld>
+  <p:clrMapOvr>
+    <a:masterClrMapping/>
+  </p:clrMapOvr>
+</p:notes>
+</file>
+
+<file path=ppt/notesSlides/notesSlide5.xml><?xml version="1.0" encoding="utf-8"?>
+<p:notes xmlns:a="http://schemas.openxmlformats.org/drawingml/2006/main" xmlns:r="http://schemas.openxmlformats.org/officeDocument/2006/relationships" xmlns:p="http://schemas.openxmlformats.org/presentationml/2006/main">
+  <p:cSld>
+    <p:spTree>
+      <p:nvGrpSpPr>
+        <p:cNvPr id="1" name=""/>
+        <p:cNvGrpSpPr/>
+        <p:nvPr/>
+      </p:nvGrpSpPr>
+      <p:grpSpPr>
+        <a:xfrm>
+          <a:off x="0" y="0"/>
+          <a:ext cx="0" cy="0"/>
+          <a:chOff x="0" y="0"/>
+          <a:chExt cx="0" cy="0"/>
+        </a:xfrm>
+      </p:grpSpPr>
+      <p:sp>
+        <p:nvSpPr>
+          <p:cNvPr id="2" name="幻灯片图像占位符 1"/>
+          <p:cNvSpPr>
+            <a:spLocks noGrp="1" noRot="1" noChangeAspect="1"/>
+          </p:cNvSpPr>
+          <p:nvPr>
+            <p:ph type="sldImg"/>
+          </p:nvPr>
+        </p:nvSpPr>
+        <p:spPr/>
+      </p:sp>
+      <p:sp>
+        <p:nvSpPr>
+          <p:cNvPr id="3" name="备注占位符 2"/>
+          <p:cNvSpPr>
+            <a:spLocks noGrp="1"/>
+          </p:cNvSpPr>
+          <p:nvPr>
+            <p:ph type="body" idx="1"/>
+          </p:nvPr>
+        </p:nvSpPr>
+        <p:spPr/>
+        <p:txBody>
+          <a:bodyPr/>
+          <a:lstStyle/>
+          <a:p>
+            <a:r>
+              <a:rPr lang="zh-CN" altLang="en-US" dirty="0"/>
+              <a:t>模板：带图片的正常页</a:t>
+            </a:r>
+          </a:p>
+        </p:txBody>
+      </p:sp>
+      <p:sp>
+        <p:nvSpPr>
+          <p:cNvPr id="4" name="灯片编号占位符 3"/>
+          <p:cNvSpPr>
+            <a:spLocks noGrp="1"/>
+          </p:cNvSpPr>
+          <p:nvPr>
+            <p:ph type="sldNum" sz="quarter" idx="5"/>
+          </p:nvPr>
+        </p:nvSpPr>
+        <p:spPr/>
+        <p:txBody>
+          <a:bodyPr/>
+          <a:lstStyle/>
+          <a:p>
+            <a:fld id="{9E07FC14-18AC-4B52-8E71-A13AC8238BF3}" type="slidenum">
+              <a:rPr lang="zh-CN" altLang="en-US" smtClean="0"/>
+              <a:t>5</a:t>
+            </a:fld>
+            <a:endParaRPr lang="zh-CN" altLang="en-US"/>
+          </a:p>
+        </p:txBody>
+      </p:sp>
+    </p:spTree>
+    <p:extLst>
+      <p:ext uri="{BB962C8B-B14F-4D97-AF65-F5344CB8AC3E}">
+        <p14:creationId xmlns:p14="http://schemas.microsoft.com/office/powerpoint/2010/main" val="247469344"/>
+      </p:ext>
+    </p:extLst>
+  </p:cSld>
+  <p:clrMapOvr>
+    <a:masterClrMapping/>
+  </p:clrMapOvr>
+</p:notes>
+</file>
+
+<file path=ppt/notesSlides/notesSlide6.xml><?xml version="1.0" encoding="utf-8"?>
+<p:notes xmlns:a="http://schemas.openxmlformats.org/drawingml/2006/main" xmlns:r="http://schemas.openxmlformats.org/officeDocument/2006/relationships" xmlns:p="http://schemas.openxmlformats.org/presentationml/2006/main">
+  <p:cSld>
+    <p:spTree>
+      <p:nvGrpSpPr>
+        <p:cNvPr id="1" name=""/>
+        <p:cNvGrpSpPr/>
+        <p:nvPr/>
+      </p:nvGrpSpPr>
+      <p:grpSpPr>
+        <a:xfrm>
+          <a:off x="0" y="0"/>
+          <a:ext cx="0" cy="0"/>
+          <a:chOff x="0" y="0"/>
+          <a:chExt cx="0" cy="0"/>
+        </a:xfrm>
+      </p:grpSpPr>
+      <p:sp>
+        <p:nvSpPr>
+          <p:cNvPr id="2" name="幻灯片图像占位符 1"/>
+          <p:cNvSpPr>
+            <a:spLocks noGrp="1" noRot="1" noChangeAspect="1"/>
+          </p:cNvSpPr>
+          <p:nvPr>
+            <p:ph type="sldImg"/>
+          </p:nvPr>
+        </p:nvSpPr>
+        <p:spPr/>
+      </p:sp>
+      <p:sp>
+        <p:nvSpPr>
+          <p:cNvPr id="3" name="备注占位符 2"/>
+          <p:cNvSpPr>
+            <a:spLocks noGrp="1"/>
+          </p:cNvSpPr>
+          <p:nvPr>
+            <p:ph type="body" idx="1"/>
+          </p:nvPr>
+        </p:nvSpPr>
+        <p:spPr/>
+        <p:txBody>
+          <a:bodyPr/>
+          <a:lstStyle/>
+          <a:p>
+            <a:r>
+              <a:rPr lang="en-US" altLang="zh-CN" dirty="0"/>
+              <a:t>【</a:t>
+            </a:r>
+            <a:r>
+              <a:rPr lang="zh-CN" altLang="en-US" dirty="0"/>
+              <a:t>结尾</a:t>
+            </a:r>
+            <a:r>
+              <a:rPr lang="en-US" altLang="zh-CN" dirty="0"/>
+              <a:t>】</a:t>
+            </a:r>
+            <a:endParaRPr lang="zh-CN" altLang="en-US" dirty="0"/>
+          </a:p>
+        </p:txBody>
+      </p:sp>
+      <p:sp>
+        <p:nvSpPr>
+          <p:cNvPr id="4" name="灯片编号占位符 3"/>
+          <p:cNvSpPr>
+            <a:spLocks noGrp="1"/>
+          </p:cNvSpPr>
+          <p:nvPr>
+            <p:ph type="sldNum" sz="quarter" idx="5"/>
+          </p:nvPr>
+        </p:nvSpPr>
+        <p:spPr/>
+        <p:txBody>
+          <a:bodyPr/>
+          <a:lstStyle/>
+          <a:p>
+            <a:fld id="{9E07FC14-18AC-4B52-8E71-A13AC8238BF3}" type="slidenum">
+              <a:rPr lang="zh-CN" altLang="en-US" smtClean="0"/>
+              <a:t>6</a:t>
+            </a:fld>
+            <a:endParaRPr lang="zh-CN" altLang="en-US"/>
+          </a:p>
+        </p:txBody>
+      </p:sp>
+    </p:spTree>
+    <p:extLst>
+      <p:ext uri="{BB962C8B-B14F-4D97-AF65-F5344CB8AC3E}">
+        <p14:creationId xmlns:p14="http://schemas.microsoft.com/office/powerpoint/2010/main" val="2980647195"/>
+      </p:ext>
+    </p:extLst>
+  </p:cSld>
+  <p:clrMapOvr>
+    <a:masterClrMapping/>
+  </p:clrMapOvr>
+</p:notes>
+</file>
+
 <file path=ppt/slideLayouts/slideLayout1.xml><?xml version="1.0" encoding="utf-8"?>
 <p:sldLayout xmlns:a="http://schemas.openxmlformats.org/drawingml/2006/main" xmlns:r="http://schemas.openxmlformats.org/officeDocument/2006/relationships" xmlns:p="http://schemas.openxmlformats.org/presentationml/2006/main" type="title" preserve="1">
   <p:cSld name="标题幻灯片">
@@ -703,7 +1156,7 @@
           <a:p>
             <a:fld id="{FC9C9E05-C032-442B-96C1-FCC0103A519A}" type="datetimeFigureOut">
               <a:rPr lang="zh-CN" altLang="en-US" smtClean="0"/>
-              <a:t>2023/5/23</a:t>
+              <a:t>2023/5/24</a:t>
             </a:fld>
             <a:endParaRPr lang="zh-CN" altLang="en-US"/>
           </a:p>
@@ -773,6 +1226,18 @@
   <p:clrMapOvr>
     <a:masterClrMapping/>
   </p:clrMapOvr>
+  <mc:AlternateContent xmlns:mc="http://schemas.openxmlformats.org/markup-compatibility/2006">
+    <mc:Choice xmlns:p159="http://schemas.microsoft.com/office/powerpoint/2015/09/main" Requires="p159">
+      <p:transition xmlns:p14="http://schemas.microsoft.com/office/powerpoint/2010/main" spd="slow" p14:dur="2000">
+        <p159:morph option="byObject"/>
+      </p:transition>
+    </mc:Choice>
+    <mc:Fallback>
+      <p:transition spd="slow">
+        <p:fade/>
+      </p:transition>
+    </mc:Fallback>
+  </mc:AlternateContent>
 </p:sldLayout>
 </file>
 
@@ -901,7 +1366,7 @@
           <a:p>
             <a:fld id="{FC9C9E05-C032-442B-96C1-FCC0103A519A}" type="datetimeFigureOut">
               <a:rPr lang="zh-CN" altLang="en-US" smtClean="0"/>
-              <a:t>2023/5/23</a:t>
+              <a:t>2023/5/24</a:t>
             </a:fld>
             <a:endParaRPr lang="zh-CN" altLang="en-US"/>
           </a:p>
@@ -971,6 +1436,18 @@
   <p:clrMapOvr>
     <a:masterClrMapping/>
   </p:clrMapOvr>
+  <mc:AlternateContent xmlns:mc="http://schemas.openxmlformats.org/markup-compatibility/2006">
+    <mc:Choice xmlns:p159="http://schemas.microsoft.com/office/powerpoint/2015/09/main" Requires="p159">
+      <p:transition xmlns:p14="http://schemas.microsoft.com/office/powerpoint/2010/main" spd="slow" p14:dur="2000">
+        <p159:morph option="byObject"/>
+      </p:transition>
+    </mc:Choice>
+    <mc:Fallback>
+      <p:transition spd="slow">
+        <p:fade/>
+      </p:transition>
+    </mc:Fallback>
+  </mc:AlternateContent>
 </p:sldLayout>
 </file>
 
@@ -1109,7 +1586,7 @@
           <a:p>
             <a:fld id="{FC9C9E05-C032-442B-96C1-FCC0103A519A}" type="datetimeFigureOut">
               <a:rPr lang="zh-CN" altLang="en-US" smtClean="0"/>
-              <a:t>2023/5/23</a:t>
+              <a:t>2023/5/24</a:t>
             </a:fld>
             <a:endParaRPr lang="zh-CN" altLang="en-US"/>
           </a:p>
@@ -1179,6 +1656,18 @@
   <p:clrMapOvr>
     <a:masterClrMapping/>
   </p:clrMapOvr>
+  <mc:AlternateContent xmlns:mc="http://schemas.openxmlformats.org/markup-compatibility/2006">
+    <mc:Choice xmlns:p159="http://schemas.microsoft.com/office/powerpoint/2015/09/main" Requires="p159">
+      <p:transition xmlns:p14="http://schemas.microsoft.com/office/powerpoint/2010/main" spd="slow" p14:dur="2000">
+        <p159:morph option="byObject"/>
+      </p:transition>
+    </mc:Choice>
+    <mc:Fallback>
+      <p:transition spd="slow">
+        <p:fade/>
+      </p:transition>
+    </mc:Fallback>
+  </mc:AlternateContent>
 </p:sldLayout>
 </file>
 
@@ -1307,7 +1796,7 @@
           <a:p>
             <a:fld id="{FC9C9E05-C032-442B-96C1-FCC0103A519A}" type="datetimeFigureOut">
               <a:rPr lang="zh-CN" altLang="en-US" smtClean="0"/>
-              <a:t>2023/5/23</a:t>
+              <a:t>2023/5/24</a:t>
             </a:fld>
             <a:endParaRPr lang="zh-CN" altLang="en-US"/>
           </a:p>
@@ -1377,6 +1866,18 @@
   <p:clrMapOvr>
     <a:masterClrMapping/>
   </p:clrMapOvr>
+  <mc:AlternateContent xmlns:mc="http://schemas.openxmlformats.org/markup-compatibility/2006">
+    <mc:Choice xmlns:p159="http://schemas.microsoft.com/office/powerpoint/2015/09/main" Requires="p159">
+      <p:transition xmlns:p14="http://schemas.microsoft.com/office/powerpoint/2010/main" spd="slow" p14:dur="2000">
+        <p159:morph option="byObject"/>
+      </p:transition>
+    </mc:Choice>
+    <mc:Fallback>
+      <p:transition spd="slow">
+        <p:fade/>
+      </p:transition>
+    </mc:Fallback>
+  </mc:AlternateContent>
 </p:sldLayout>
 </file>
 
@@ -1582,7 +2083,7 @@
           <a:p>
             <a:fld id="{FC9C9E05-C032-442B-96C1-FCC0103A519A}" type="datetimeFigureOut">
               <a:rPr lang="zh-CN" altLang="en-US" smtClean="0"/>
-              <a:t>2023/5/23</a:t>
+              <a:t>2023/5/24</a:t>
             </a:fld>
             <a:endParaRPr lang="zh-CN" altLang="en-US"/>
           </a:p>
@@ -1652,6 +2153,18 @@
   <p:clrMapOvr>
     <a:masterClrMapping/>
   </p:clrMapOvr>
+  <mc:AlternateContent xmlns:mc="http://schemas.openxmlformats.org/markup-compatibility/2006">
+    <mc:Choice xmlns:p159="http://schemas.microsoft.com/office/powerpoint/2015/09/main" Requires="p159">
+      <p:transition xmlns:p14="http://schemas.microsoft.com/office/powerpoint/2010/main" spd="slow" p14:dur="2000">
+        <p159:morph option="byObject"/>
+      </p:transition>
+    </mc:Choice>
+    <mc:Fallback>
+      <p:transition spd="slow">
+        <p:fade/>
+      </p:transition>
+    </mc:Fallback>
+  </mc:AlternateContent>
 </p:sldLayout>
 </file>
 
@@ -1847,7 +2360,7 @@
           <a:p>
             <a:fld id="{FC9C9E05-C032-442B-96C1-FCC0103A519A}" type="datetimeFigureOut">
               <a:rPr lang="zh-CN" altLang="en-US" smtClean="0"/>
-              <a:t>2023/5/23</a:t>
+              <a:t>2023/5/24</a:t>
             </a:fld>
             <a:endParaRPr lang="zh-CN" altLang="en-US"/>
           </a:p>
@@ -1917,6 +2430,18 @@
   <p:clrMapOvr>
     <a:masterClrMapping/>
   </p:clrMapOvr>
+  <mc:AlternateContent xmlns:mc="http://schemas.openxmlformats.org/markup-compatibility/2006">
+    <mc:Choice xmlns:p159="http://schemas.microsoft.com/office/powerpoint/2015/09/main" Requires="p159">
+      <p:transition xmlns:p14="http://schemas.microsoft.com/office/powerpoint/2010/main" spd="slow" p14:dur="2000">
+        <p159:morph option="byObject"/>
+      </p:transition>
+    </mc:Choice>
+    <mc:Fallback>
+      <p:transition spd="slow">
+        <p:fade/>
+      </p:transition>
+    </mc:Fallback>
+  </mc:AlternateContent>
 </p:sldLayout>
 </file>
 
@@ -2259,7 +2784,7 @@
           <a:p>
             <a:fld id="{FC9C9E05-C032-442B-96C1-FCC0103A519A}" type="datetimeFigureOut">
               <a:rPr lang="zh-CN" altLang="en-US" smtClean="0"/>
-              <a:t>2023/5/23</a:t>
+              <a:t>2023/5/24</a:t>
             </a:fld>
             <a:endParaRPr lang="zh-CN" altLang="en-US"/>
           </a:p>
@@ -2329,6 +2854,18 @@
   <p:clrMapOvr>
     <a:masterClrMapping/>
   </p:clrMapOvr>
+  <mc:AlternateContent xmlns:mc="http://schemas.openxmlformats.org/markup-compatibility/2006">
+    <mc:Choice xmlns:p159="http://schemas.microsoft.com/office/powerpoint/2015/09/main" Requires="p159">
+      <p:transition xmlns:p14="http://schemas.microsoft.com/office/powerpoint/2010/main" spd="slow" p14:dur="2000">
+        <p159:morph option="byObject"/>
+      </p:transition>
+    </mc:Choice>
+    <mc:Fallback>
+      <p:transition spd="slow">
+        <p:fade/>
+      </p:transition>
+    </mc:Fallback>
+  </mc:AlternateContent>
 </p:sldLayout>
 </file>
 
@@ -2400,7 +2937,7 @@
           <a:p>
             <a:fld id="{FC9C9E05-C032-442B-96C1-FCC0103A519A}" type="datetimeFigureOut">
               <a:rPr lang="zh-CN" altLang="en-US" smtClean="0"/>
-              <a:t>2023/5/23</a:t>
+              <a:t>2023/5/24</a:t>
             </a:fld>
             <a:endParaRPr lang="zh-CN" altLang="en-US"/>
           </a:p>
@@ -2470,6 +3007,18 @@
   <p:clrMapOvr>
     <a:masterClrMapping/>
   </p:clrMapOvr>
+  <mc:AlternateContent xmlns:mc="http://schemas.openxmlformats.org/markup-compatibility/2006">
+    <mc:Choice xmlns:p159="http://schemas.microsoft.com/office/powerpoint/2015/09/main" Requires="p159">
+      <p:transition xmlns:p14="http://schemas.microsoft.com/office/powerpoint/2010/main" spd="slow" p14:dur="2000">
+        <p159:morph option="byObject"/>
+      </p:transition>
+    </mc:Choice>
+    <mc:Fallback>
+      <p:transition spd="slow">
+        <p:fade/>
+      </p:transition>
+    </mc:Fallback>
+  </mc:AlternateContent>
 </p:sldLayout>
 </file>
 
@@ -2513,7 +3062,7 @@
           <a:p>
             <a:fld id="{FC9C9E05-C032-442B-96C1-FCC0103A519A}" type="datetimeFigureOut">
               <a:rPr lang="zh-CN" altLang="en-US" smtClean="0"/>
-              <a:t>2023/5/23</a:t>
+              <a:t>2023/5/24</a:t>
             </a:fld>
             <a:endParaRPr lang="zh-CN" altLang="en-US"/>
           </a:p>
@@ -2583,6 +3132,18 @@
   <p:clrMapOvr>
     <a:masterClrMapping/>
   </p:clrMapOvr>
+  <mc:AlternateContent xmlns:mc="http://schemas.openxmlformats.org/markup-compatibility/2006">
+    <mc:Choice xmlns:p159="http://schemas.microsoft.com/office/powerpoint/2015/09/main" Requires="p159">
+      <p:transition xmlns:p14="http://schemas.microsoft.com/office/powerpoint/2010/main" spd="slow" p14:dur="2000">
+        <p159:morph option="byObject"/>
+      </p:transition>
+    </mc:Choice>
+    <mc:Fallback>
+      <p:transition spd="slow">
+        <p:fade/>
+      </p:transition>
+    </mc:Fallback>
+  </mc:AlternateContent>
 </p:sldLayout>
 </file>
 
@@ -2824,7 +3385,7 @@
           <a:p>
             <a:fld id="{FC9C9E05-C032-442B-96C1-FCC0103A519A}" type="datetimeFigureOut">
               <a:rPr lang="zh-CN" altLang="en-US" smtClean="0"/>
-              <a:t>2023/5/23</a:t>
+              <a:t>2023/5/24</a:t>
             </a:fld>
             <a:endParaRPr lang="zh-CN" altLang="en-US"/>
           </a:p>
@@ -2894,6 +3455,18 @@
   <p:clrMapOvr>
     <a:masterClrMapping/>
   </p:clrMapOvr>
+  <mc:AlternateContent xmlns:mc="http://schemas.openxmlformats.org/markup-compatibility/2006">
+    <mc:Choice xmlns:p159="http://schemas.microsoft.com/office/powerpoint/2015/09/main" Requires="p159">
+      <p:transition xmlns:p14="http://schemas.microsoft.com/office/powerpoint/2010/main" spd="slow" p14:dur="2000">
+        <p159:morph option="byObject"/>
+      </p:transition>
+    </mc:Choice>
+    <mc:Fallback>
+      <p:transition spd="slow">
+        <p:fade/>
+      </p:transition>
+    </mc:Fallback>
+  </mc:AlternateContent>
 </p:sldLayout>
 </file>
 
@@ -3112,7 +3685,7 @@
           <a:p>
             <a:fld id="{FC9C9E05-C032-442B-96C1-FCC0103A519A}" type="datetimeFigureOut">
               <a:rPr lang="zh-CN" altLang="en-US" smtClean="0"/>
-              <a:t>2023/5/23</a:t>
+              <a:t>2023/5/24</a:t>
             </a:fld>
             <a:endParaRPr lang="zh-CN" altLang="en-US"/>
           </a:p>
@@ -3182,6 +3755,18 @@
   <p:clrMapOvr>
     <a:masterClrMapping/>
   </p:clrMapOvr>
+  <mc:AlternateContent xmlns:mc="http://schemas.openxmlformats.org/markup-compatibility/2006">
+    <mc:Choice xmlns:p159="http://schemas.microsoft.com/office/powerpoint/2015/09/main" Requires="p159">
+      <p:transition xmlns:p14="http://schemas.microsoft.com/office/powerpoint/2010/main" spd="slow" p14:dur="2000">
+        <p159:morph option="byObject"/>
+      </p:transition>
+    </mc:Choice>
+    <mc:Fallback>
+      <p:transition spd="slow">
+        <p:fade/>
+      </p:transition>
+    </mc:Fallback>
+  </mc:AlternateContent>
 </p:sldLayout>
 </file>
 
@@ -3353,7 +3938,7 @@
           <a:p>
             <a:fld id="{FC9C9E05-C032-442B-96C1-FCC0103A519A}" type="datetimeFigureOut">
               <a:rPr lang="zh-CN" altLang="en-US" smtClean="0"/>
-              <a:t>2023/5/23</a:t>
+              <a:t>2023/5/24</a:t>
             </a:fld>
             <a:endParaRPr lang="zh-CN" altLang="en-US"/>
           </a:p>
@@ -3470,6 +4055,18 @@
     <p:sldLayoutId id="2147483658" r:id="rId10"/>
     <p:sldLayoutId id="2147483659" r:id="rId11"/>
   </p:sldLayoutIdLst>
+  <mc:AlternateContent xmlns:mc="http://schemas.openxmlformats.org/markup-compatibility/2006">
+    <mc:Choice xmlns:p159="http://schemas.microsoft.com/office/powerpoint/2015/09/main" Requires="p159">
+      <p:transition xmlns:p14="http://schemas.microsoft.com/office/powerpoint/2010/main" spd="slow" p14:dur="2000">
+        <p159:morph option="byObject"/>
+      </p:transition>
+    </mc:Choice>
+    <mc:Fallback>
+      <p:transition spd="slow">
+        <p:fade/>
+      </p:transition>
+    </mc:Fallback>
+  </mc:AlternateContent>
   <p:txStyles>
     <p:titleStyle>
       <a:lvl1pPr algn="l" defTabSz="914400" rtl="0" eaLnBrk="1" latinLnBrk="0" hangingPunct="1">
@@ -3896,6 +4493,18 @@
   <p:clrMapOvr>
     <a:masterClrMapping/>
   </p:clrMapOvr>
+  <mc:AlternateContent xmlns:mc="http://schemas.openxmlformats.org/markup-compatibility/2006">
+    <mc:Choice xmlns:p159="http://schemas.microsoft.com/office/powerpoint/2015/09/main" Requires="p159">
+      <p:transition xmlns:p14="http://schemas.microsoft.com/office/powerpoint/2010/main" spd="slow" p14:dur="2000">
+        <p159:morph option="byObject"/>
+      </p:transition>
+    </mc:Choice>
+    <mc:Fallback>
+      <p:transition spd="slow">
+        <p:fade/>
+      </p:transition>
+    </mc:Fallback>
+  </mc:AlternateContent>
 </p:sld>
 </file>
 
@@ -3905,7 +4514,7 @@
     <p:bg>
       <p:bgPr>
         <a:blipFill dpi="0" rotWithShape="1">
-          <a:blip r:embed="rId2">
+          <a:blip r:embed="rId3">
             <a:lum/>
           </a:blip>
           <a:srcRect/>
@@ -4069,7 +4678,7 @@
         <p:spPr>
           <a:xfrm>
             <a:off x="781538" y="2063262"/>
-            <a:ext cx="10488246" cy="4093428"/>
+            <a:ext cx="10488246" cy="4401205"/>
           </a:xfrm>
           <a:prstGeom prst="rect">
             <a:avLst/>
@@ -4090,7 +4699,254 @@
                 <a:latin typeface="华文宋体" panose="02010600040101010101" pitchFamily="2" charset="-122"/>
                 <a:ea typeface="华文宋体" panose="02010600040101010101" pitchFamily="2" charset="-122"/>
               </a:rPr>
-              <a:t>一段文字一段文字一段文字一段文字一段文字一段文字一段文字一段文字一段文字一段文字一段文字一段文字一段文字一段文字一段文字一段文字一段文字一段文字一段文字一段文字一段文字一段文字一段文字一段文字一段文字一段文字一段文字一段文字一段文字一段文字一段文字一段文字一段文字一段文字一段文字一段文字一段文字一段文字一段文字一段文字一段文字一段文字一段文字一段文字一段文字一段文字一段文字一段文字一段文字一段文字一段文字一段文字一段文字一段文字一段文字一段文字一段文字一段文字一段文字一段文字一段文字一段文字一段文字一段文字一段文字一段文字一段文字一段文字一段文字一段文字一段文字一段文字一段文字一段文字一段文字一段文字一段文字一段文字一段文字一段文字一段文字一段文字一段文字一段文字一段文字一段文字一段文字一段文字一段文字一段文字一段文字一段文字一段文字一段文字一段文字一段文字一段文字一段文字一段文字一段文字一段文字一段文字一段文字一段文字一段文字一段文字一段文字一段文字一段文字一段文字一段文字一段文字一段文字一段文字一段文字一段文字一段文字一段文字一段文字一段文字一段文字一段文字一段文字一段文字一段文字一段文字一段文字一段文字一段文字一段文字</a:t>
+              <a:t>在这里填写文字</a:t>
+            </a:r>
+            <a:endParaRPr lang="en-US" altLang="zh-CN" sz="2000" dirty="0">
+              <a:solidFill>
+                <a:srgbClr val="FF0000"/>
+              </a:solidFill>
+              <a:latin typeface="华文宋体" panose="02010600040101010101" pitchFamily="2" charset="-122"/>
+              <a:ea typeface="华文宋体" panose="02010600040101010101" pitchFamily="2" charset="-122"/>
+            </a:endParaRPr>
+          </a:p>
+          <a:p>
+            <a:r>
+              <a:rPr lang="zh-CN" altLang="en-US" sz="2000" dirty="0">
+                <a:solidFill>
+                  <a:srgbClr val="FF0000"/>
+                </a:solidFill>
+                <a:latin typeface="华文宋体" panose="02010600040101010101" pitchFamily="2" charset="-122"/>
+                <a:ea typeface="华文宋体" panose="02010600040101010101" pitchFamily="2" charset="-122"/>
+              </a:rPr>
+              <a:t>在这里填写文字</a:t>
+            </a:r>
+            <a:endParaRPr lang="en-US" altLang="zh-CN" sz="2000" dirty="0">
+              <a:solidFill>
+                <a:srgbClr val="FF0000"/>
+              </a:solidFill>
+              <a:latin typeface="华文宋体" panose="02010600040101010101" pitchFamily="2" charset="-122"/>
+              <a:ea typeface="华文宋体" panose="02010600040101010101" pitchFamily="2" charset="-122"/>
+            </a:endParaRPr>
+          </a:p>
+          <a:p>
+            <a:r>
+              <a:rPr lang="zh-CN" altLang="en-US" sz="2000" dirty="0">
+                <a:solidFill>
+                  <a:srgbClr val="FF0000"/>
+                </a:solidFill>
+                <a:latin typeface="华文宋体" panose="02010600040101010101" pitchFamily="2" charset="-122"/>
+                <a:ea typeface="华文宋体" panose="02010600040101010101" pitchFamily="2" charset="-122"/>
+              </a:rPr>
+              <a:t>在这里填写文字</a:t>
+            </a:r>
+            <a:endParaRPr lang="en-US" altLang="zh-CN" sz="2000" dirty="0">
+              <a:solidFill>
+                <a:srgbClr val="FF0000"/>
+              </a:solidFill>
+              <a:latin typeface="华文宋体" panose="02010600040101010101" pitchFamily="2" charset="-122"/>
+              <a:ea typeface="华文宋体" panose="02010600040101010101" pitchFamily="2" charset="-122"/>
+            </a:endParaRPr>
+          </a:p>
+          <a:p>
+            <a:r>
+              <a:rPr lang="zh-CN" altLang="en-US" sz="2000" dirty="0">
+                <a:solidFill>
+                  <a:srgbClr val="FF0000"/>
+                </a:solidFill>
+                <a:latin typeface="华文宋体" panose="02010600040101010101" pitchFamily="2" charset="-122"/>
+                <a:ea typeface="华文宋体" panose="02010600040101010101" pitchFamily="2" charset="-122"/>
+              </a:rPr>
+              <a:t>在这里填写文字</a:t>
+            </a:r>
+            <a:endParaRPr lang="en-US" altLang="zh-CN" sz="2000" dirty="0">
+              <a:solidFill>
+                <a:srgbClr val="FF0000"/>
+              </a:solidFill>
+              <a:latin typeface="华文宋体" panose="02010600040101010101" pitchFamily="2" charset="-122"/>
+              <a:ea typeface="华文宋体" panose="02010600040101010101" pitchFamily="2" charset="-122"/>
+            </a:endParaRPr>
+          </a:p>
+          <a:p>
+            <a:r>
+              <a:rPr lang="zh-CN" altLang="en-US" sz="2000" dirty="0">
+                <a:solidFill>
+                  <a:srgbClr val="FF0000"/>
+                </a:solidFill>
+                <a:latin typeface="华文宋体" panose="02010600040101010101" pitchFamily="2" charset="-122"/>
+                <a:ea typeface="华文宋体" panose="02010600040101010101" pitchFamily="2" charset="-122"/>
+              </a:rPr>
+              <a:t>在这里填写文字</a:t>
+            </a:r>
+            <a:endParaRPr lang="en-US" altLang="zh-CN" sz="2000" dirty="0">
+              <a:solidFill>
+                <a:srgbClr val="FF0000"/>
+              </a:solidFill>
+              <a:latin typeface="华文宋体" panose="02010600040101010101" pitchFamily="2" charset="-122"/>
+              <a:ea typeface="华文宋体" panose="02010600040101010101" pitchFamily="2" charset="-122"/>
+            </a:endParaRPr>
+          </a:p>
+          <a:p>
+            <a:r>
+              <a:rPr lang="zh-CN" altLang="en-US" sz="2000" dirty="0">
+                <a:solidFill>
+                  <a:srgbClr val="FF0000"/>
+                </a:solidFill>
+                <a:latin typeface="华文宋体" panose="02010600040101010101" pitchFamily="2" charset="-122"/>
+                <a:ea typeface="华文宋体" panose="02010600040101010101" pitchFamily="2" charset="-122"/>
+              </a:rPr>
+              <a:t>在这里填写文字</a:t>
+            </a:r>
+            <a:endParaRPr lang="en-US" altLang="zh-CN" sz="2000" dirty="0">
+              <a:solidFill>
+                <a:srgbClr val="FF0000"/>
+              </a:solidFill>
+              <a:latin typeface="华文宋体" panose="02010600040101010101" pitchFamily="2" charset="-122"/>
+              <a:ea typeface="华文宋体" panose="02010600040101010101" pitchFamily="2" charset="-122"/>
+            </a:endParaRPr>
+          </a:p>
+          <a:p>
+            <a:r>
+              <a:rPr lang="zh-CN" altLang="en-US" sz="2000" dirty="0">
+                <a:solidFill>
+                  <a:srgbClr val="FF0000"/>
+                </a:solidFill>
+                <a:latin typeface="华文宋体" panose="02010600040101010101" pitchFamily="2" charset="-122"/>
+                <a:ea typeface="华文宋体" panose="02010600040101010101" pitchFamily="2" charset="-122"/>
+              </a:rPr>
+              <a:t>在这里填写文字</a:t>
+            </a:r>
+            <a:endParaRPr lang="en-US" altLang="zh-CN" sz="2000" dirty="0">
+              <a:solidFill>
+                <a:srgbClr val="FF0000"/>
+              </a:solidFill>
+              <a:latin typeface="华文宋体" panose="02010600040101010101" pitchFamily="2" charset="-122"/>
+              <a:ea typeface="华文宋体" panose="02010600040101010101" pitchFamily="2" charset="-122"/>
+            </a:endParaRPr>
+          </a:p>
+          <a:p>
+            <a:r>
+              <a:rPr lang="zh-CN" altLang="en-US" sz="2000" dirty="0">
+                <a:solidFill>
+                  <a:srgbClr val="FF0000"/>
+                </a:solidFill>
+                <a:latin typeface="华文宋体" panose="02010600040101010101" pitchFamily="2" charset="-122"/>
+                <a:ea typeface="华文宋体" panose="02010600040101010101" pitchFamily="2" charset="-122"/>
+              </a:rPr>
+              <a:t>在这里填写文字</a:t>
+            </a:r>
+            <a:endParaRPr lang="en-US" altLang="zh-CN" sz="2000" dirty="0">
+              <a:solidFill>
+                <a:srgbClr val="FF0000"/>
+              </a:solidFill>
+              <a:latin typeface="华文宋体" panose="02010600040101010101" pitchFamily="2" charset="-122"/>
+              <a:ea typeface="华文宋体" panose="02010600040101010101" pitchFamily="2" charset="-122"/>
+            </a:endParaRPr>
+          </a:p>
+          <a:p>
+            <a:r>
+              <a:rPr lang="zh-CN" altLang="en-US" sz="2000" dirty="0">
+                <a:solidFill>
+                  <a:srgbClr val="FF0000"/>
+                </a:solidFill>
+                <a:latin typeface="华文宋体" panose="02010600040101010101" pitchFamily="2" charset="-122"/>
+                <a:ea typeface="华文宋体" panose="02010600040101010101" pitchFamily="2" charset="-122"/>
+              </a:rPr>
+              <a:t>在这里填写文字</a:t>
+            </a:r>
+            <a:endParaRPr lang="en-US" altLang="zh-CN" sz="2000" dirty="0">
+              <a:solidFill>
+                <a:srgbClr val="FF0000"/>
+              </a:solidFill>
+              <a:latin typeface="华文宋体" panose="02010600040101010101" pitchFamily="2" charset="-122"/>
+              <a:ea typeface="华文宋体" panose="02010600040101010101" pitchFamily="2" charset="-122"/>
+            </a:endParaRPr>
+          </a:p>
+          <a:p>
+            <a:r>
+              <a:rPr lang="zh-CN" altLang="en-US" sz="2000" dirty="0">
+                <a:solidFill>
+                  <a:srgbClr val="FF0000"/>
+                </a:solidFill>
+                <a:latin typeface="华文宋体" panose="02010600040101010101" pitchFamily="2" charset="-122"/>
+                <a:ea typeface="华文宋体" panose="02010600040101010101" pitchFamily="2" charset="-122"/>
+              </a:rPr>
+              <a:t>在这里填写文字</a:t>
+            </a:r>
+            <a:endParaRPr lang="en-US" altLang="zh-CN" sz="2000" dirty="0">
+              <a:solidFill>
+                <a:srgbClr val="FF0000"/>
+              </a:solidFill>
+              <a:latin typeface="华文宋体" panose="02010600040101010101" pitchFamily="2" charset="-122"/>
+              <a:ea typeface="华文宋体" panose="02010600040101010101" pitchFamily="2" charset="-122"/>
+            </a:endParaRPr>
+          </a:p>
+          <a:p>
+            <a:r>
+              <a:rPr lang="zh-CN" altLang="en-US" sz="2000" dirty="0">
+                <a:solidFill>
+                  <a:srgbClr val="FF0000"/>
+                </a:solidFill>
+                <a:latin typeface="华文宋体" panose="02010600040101010101" pitchFamily="2" charset="-122"/>
+                <a:ea typeface="华文宋体" panose="02010600040101010101" pitchFamily="2" charset="-122"/>
+              </a:rPr>
+              <a:t>在这里填写文字</a:t>
+            </a:r>
+            <a:endParaRPr lang="en-US" altLang="zh-CN" sz="2000" dirty="0">
+              <a:solidFill>
+                <a:srgbClr val="FF0000"/>
+              </a:solidFill>
+              <a:latin typeface="华文宋体" panose="02010600040101010101" pitchFamily="2" charset="-122"/>
+              <a:ea typeface="华文宋体" panose="02010600040101010101" pitchFamily="2" charset="-122"/>
+            </a:endParaRPr>
+          </a:p>
+          <a:p>
+            <a:r>
+              <a:rPr lang="zh-CN" altLang="en-US" sz="2000" dirty="0">
+                <a:solidFill>
+                  <a:srgbClr val="FF0000"/>
+                </a:solidFill>
+                <a:latin typeface="华文宋体" panose="02010600040101010101" pitchFamily="2" charset="-122"/>
+                <a:ea typeface="华文宋体" panose="02010600040101010101" pitchFamily="2" charset="-122"/>
+              </a:rPr>
+              <a:t>在这里填写文字</a:t>
+            </a:r>
+            <a:endParaRPr lang="en-US" altLang="zh-CN" sz="2000" dirty="0">
+              <a:solidFill>
+                <a:srgbClr val="FF0000"/>
+              </a:solidFill>
+              <a:latin typeface="华文宋体" panose="02010600040101010101" pitchFamily="2" charset="-122"/>
+              <a:ea typeface="华文宋体" panose="02010600040101010101" pitchFamily="2" charset="-122"/>
+            </a:endParaRPr>
+          </a:p>
+          <a:p>
+            <a:r>
+              <a:rPr lang="zh-CN" altLang="en-US" sz="2000" dirty="0">
+                <a:solidFill>
+                  <a:srgbClr val="FF0000"/>
+                </a:solidFill>
+                <a:latin typeface="华文宋体" panose="02010600040101010101" pitchFamily="2" charset="-122"/>
+                <a:ea typeface="华文宋体" panose="02010600040101010101" pitchFamily="2" charset="-122"/>
+              </a:rPr>
+              <a:t>在这里填写文字</a:t>
+            </a:r>
+            <a:endParaRPr lang="en-US" altLang="zh-CN" sz="2000" dirty="0">
+              <a:solidFill>
+                <a:srgbClr val="FF0000"/>
+              </a:solidFill>
+              <a:latin typeface="华文宋体" panose="02010600040101010101" pitchFamily="2" charset="-122"/>
+              <a:ea typeface="华文宋体" panose="02010600040101010101" pitchFamily="2" charset="-122"/>
+            </a:endParaRPr>
+          </a:p>
+          <a:p>
+            <a:r>
+              <a:rPr lang="zh-CN" altLang="en-US" sz="2000" dirty="0">
+                <a:solidFill>
+                  <a:srgbClr val="FF0000"/>
+                </a:solidFill>
+                <a:latin typeface="华文宋体" panose="02010600040101010101" pitchFamily="2" charset="-122"/>
+                <a:ea typeface="华文宋体" panose="02010600040101010101" pitchFamily="2" charset="-122"/>
+              </a:rPr>
+              <a:t>模板：正常页</a:t>
             </a:r>
             <a:endParaRPr lang="en-US" altLang="zh-CN" sz="2000" dirty="0"/>
           </a:p>
@@ -4106,6 +4962,1622 @@
   <p:clrMapOvr>
     <a:masterClrMapping/>
   </p:clrMapOvr>
+  <mc:AlternateContent xmlns:mc="http://schemas.openxmlformats.org/markup-compatibility/2006">
+    <mc:Choice xmlns:p159="http://schemas.microsoft.com/office/powerpoint/2015/09/main" Requires="p159">
+      <p:transition xmlns:p14="http://schemas.microsoft.com/office/powerpoint/2010/main" spd="slow" p14:dur="2000">
+        <p159:morph option="byObject"/>
+      </p:transition>
+    </mc:Choice>
+    <mc:Fallback>
+      <p:transition spd="slow">
+        <p:fade/>
+      </p:transition>
+    </mc:Fallback>
+  </mc:AlternateContent>
+</p:sld>
+</file>
+
+<file path=ppt/slides/slide3.xml><?xml version="1.0" encoding="utf-8"?>
+<p:sld xmlns:a="http://schemas.openxmlformats.org/drawingml/2006/main" xmlns:r="http://schemas.openxmlformats.org/officeDocument/2006/relationships" xmlns:p="http://schemas.openxmlformats.org/presentationml/2006/main">
+  <p:cSld>
+    <p:bg>
+      <p:bgPr>
+        <a:blipFill dpi="0" rotWithShape="1">
+          <a:blip r:embed="rId3">
+            <a:lum/>
+          </a:blip>
+          <a:srcRect/>
+          <a:stretch>
+            <a:fillRect/>
+          </a:stretch>
+        </a:blipFill>
+        <a:effectLst/>
+      </p:bgPr>
+    </p:bg>
+    <p:spTree>
+      <p:nvGrpSpPr>
+        <p:cNvPr id="1" name=""/>
+        <p:cNvGrpSpPr/>
+        <p:nvPr/>
+      </p:nvGrpSpPr>
+      <p:grpSpPr>
+        <a:xfrm>
+          <a:off x="0" y="0"/>
+          <a:ext cx="0" cy="0"/>
+          <a:chOff x="0" y="0"/>
+          <a:chExt cx="0" cy="0"/>
+        </a:xfrm>
+      </p:grpSpPr>
+      <p:sp>
+        <p:nvSpPr>
+          <p:cNvPr id="5" name="文本框 4">
+            <a:extLst>
+              <a:ext uri="{FF2B5EF4-FFF2-40B4-BE49-F238E27FC236}">
+                <a16:creationId xmlns:a16="http://schemas.microsoft.com/office/drawing/2014/main" id="{BA4A1E37-A394-4C2A-0A6D-02B00B307EAF}"/>
+              </a:ext>
+            </a:extLst>
+          </p:cNvPr>
+          <p:cNvSpPr txBox="1"/>
+          <p:nvPr/>
+        </p:nvSpPr>
+        <p:spPr>
+          <a:xfrm>
+            <a:off x="1055076" y="517787"/>
+            <a:ext cx="3782646" cy="523220"/>
+          </a:xfrm>
+          <a:prstGeom prst="rect">
+            <a:avLst/>
+          </a:prstGeom>
+          <a:noFill/>
+        </p:spPr>
+        <p:txBody>
+          <a:bodyPr wrap="square" rtlCol="0">
+            <a:spAutoFit/>
+          </a:bodyPr>
+          <a:lstStyle/>
+          <a:p>
+            <a:r>
+              <a:rPr lang="zh-CN" altLang="en-US" sz="2800" b="1" dirty="0">
+                <a:solidFill>
+                  <a:srgbClr val="FF0000"/>
+                </a:solidFill>
+                <a:latin typeface="新宋体" panose="02010609030101010101" pitchFamily="49" charset="-122"/>
+                <a:ea typeface="新宋体" panose="02010609030101010101" pitchFamily="49" charset="-122"/>
+              </a:rPr>
+              <a:t>目录</a:t>
+            </a:r>
+          </a:p>
+        </p:txBody>
+      </p:sp>
+      <p:sp>
+        <p:nvSpPr>
+          <p:cNvPr id="7" name="文本框 6">
+            <a:extLst>
+              <a:ext uri="{FF2B5EF4-FFF2-40B4-BE49-F238E27FC236}">
+                <a16:creationId xmlns:a16="http://schemas.microsoft.com/office/drawing/2014/main" id="{8E22B3D0-FC80-8186-F0B0-456BF3F4A0A3}"/>
+              </a:ext>
+            </a:extLst>
+          </p:cNvPr>
+          <p:cNvSpPr txBox="1"/>
+          <p:nvPr/>
+        </p:nvSpPr>
+        <p:spPr>
+          <a:xfrm>
+            <a:off x="3948712" y="1453336"/>
+            <a:ext cx="7553806" cy="769441"/>
+          </a:xfrm>
+          <a:prstGeom prst="rect">
+            <a:avLst/>
+          </a:prstGeom>
+          <a:noFill/>
+        </p:spPr>
+        <p:txBody>
+          <a:bodyPr wrap="square" rtlCol="0">
+            <a:spAutoFit/>
+          </a:bodyPr>
+          <a:lstStyle/>
+          <a:p>
+            <a:r>
+              <a:rPr lang="zh-CN" altLang="en-US" sz="4400" dirty="0">
+                <a:solidFill>
+                  <a:srgbClr val="FF0000"/>
+                </a:solidFill>
+                <a:latin typeface="华文楷体" panose="02010600040101010101" pitchFamily="2" charset="-122"/>
+                <a:ea typeface="华文楷体" panose="02010600040101010101" pitchFamily="2" charset="-122"/>
+              </a:rPr>
+              <a:t>部分主题</a:t>
+            </a:r>
+            <a:r>
+              <a:rPr lang="en-US" altLang="zh-CN" sz="4400" dirty="0">
+                <a:solidFill>
+                  <a:srgbClr val="FF0000"/>
+                </a:solidFill>
+                <a:latin typeface="华文楷体" panose="02010600040101010101" pitchFamily="2" charset="-122"/>
+                <a:ea typeface="华文楷体" panose="02010600040101010101" pitchFamily="2" charset="-122"/>
+              </a:rPr>
+              <a:t>1</a:t>
+            </a:r>
+            <a:r>
+              <a:rPr lang="zh-CN" altLang="en-US" sz="4400" dirty="0">
+                <a:solidFill>
+                  <a:srgbClr val="FF0000"/>
+                </a:solidFill>
+                <a:latin typeface="华文楷体" panose="02010600040101010101" pitchFamily="2" charset="-122"/>
+                <a:ea typeface="华文楷体" panose="02010600040101010101" pitchFamily="2" charset="-122"/>
+              </a:rPr>
+              <a:t>文本文本文本文本</a:t>
+            </a:r>
+          </a:p>
+        </p:txBody>
+      </p:sp>
+      <p:cxnSp>
+        <p:nvCxnSpPr>
+          <p:cNvPr id="9" name="直接连接符 8">
+            <a:extLst>
+              <a:ext uri="{FF2B5EF4-FFF2-40B4-BE49-F238E27FC236}">
+                <a16:creationId xmlns:a16="http://schemas.microsoft.com/office/drawing/2014/main" id="{10E198F7-9501-B7E7-D556-10D470013CAD}"/>
+              </a:ext>
+            </a:extLst>
+          </p:cNvPr>
+          <p:cNvCxnSpPr/>
+          <p:nvPr/>
+        </p:nvCxnSpPr>
+        <p:spPr>
+          <a:xfrm>
+            <a:off x="781538" y="2239045"/>
+            <a:ext cx="10816492" cy="0"/>
+          </a:xfrm>
+          <a:prstGeom prst="line">
+            <a:avLst/>
+          </a:prstGeom>
+          <a:ln w="25400">
+            <a:solidFill>
+              <a:srgbClr val="FF0000"/>
+            </a:solidFill>
+          </a:ln>
+        </p:spPr>
+        <p:style>
+          <a:lnRef idx="1">
+            <a:schemeClr val="accent2"/>
+          </a:lnRef>
+          <a:fillRef idx="0">
+            <a:schemeClr val="accent2"/>
+          </a:fillRef>
+          <a:effectRef idx="0">
+            <a:schemeClr val="accent2"/>
+          </a:effectRef>
+          <a:fontRef idx="minor">
+            <a:schemeClr val="tx1"/>
+          </a:fontRef>
+        </p:style>
+      </p:cxnSp>
+      <p:sp>
+        <p:nvSpPr>
+          <p:cNvPr id="2" name="文本框 1">
+            <a:extLst>
+              <a:ext uri="{FF2B5EF4-FFF2-40B4-BE49-F238E27FC236}">
+                <a16:creationId xmlns:a16="http://schemas.microsoft.com/office/drawing/2014/main" id="{D50BB7B2-296F-0C25-54CC-A5E5027F65A5}"/>
+              </a:ext>
+            </a:extLst>
+          </p:cNvPr>
+          <p:cNvSpPr txBox="1"/>
+          <p:nvPr/>
+        </p:nvSpPr>
+        <p:spPr>
+          <a:xfrm>
+            <a:off x="689482" y="1068141"/>
+            <a:ext cx="4735547" cy="1200329"/>
+          </a:xfrm>
+          <a:prstGeom prst="rect">
+            <a:avLst/>
+          </a:prstGeom>
+          <a:noFill/>
+        </p:spPr>
+        <p:txBody>
+          <a:bodyPr wrap="square" rtlCol="0">
+            <a:spAutoFit/>
+          </a:bodyPr>
+          <a:lstStyle/>
+          <a:p>
+            <a:r>
+              <a:rPr lang="en-US" altLang="zh-CN" sz="7200" b="1" dirty="0">
+                <a:solidFill>
+                  <a:srgbClr val="FF0000"/>
+                </a:solidFill>
+                <a:latin typeface="仿宋" panose="02010609060101010101" pitchFamily="49" charset="-122"/>
+                <a:ea typeface="仿宋" panose="02010609060101010101" pitchFamily="49" charset="-122"/>
+                <a:cs typeface="Nirmala UI" panose="020B0502040204020203" pitchFamily="34" charset="0"/>
+              </a:rPr>
+              <a:t>Part 1</a:t>
+            </a:r>
+            <a:endParaRPr lang="zh-CN" altLang="en-US" sz="7200" b="1" dirty="0">
+              <a:solidFill>
+                <a:srgbClr val="FF0000"/>
+              </a:solidFill>
+              <a:latin typeface="仿宋" panose="02010609060101010101" pitchFamily="49" charset="-122"/>
+              <a:ea typeface="仿宋" panose="02010609060101010101" pitchFamily="49" charset="-122"/>
+              <a:cs typeface="Nirmala UI" panose="020B0502040204020203" pitchFamily="34" charset="0"/>
+            </a:endParaRPr>
+          </a:p>
+        </p:txBody>
+      </p:sp>
+      <p:sp>
+        <p:nvSpPr>
+          <p:cNvPr id="4" name="文本框 3">
+            <a:extLst>
+              <a:ext uri="{FF2B5EF4-FFF2-40B4-BE49-F238E27FC236}">
+                <a16:creationId xmlns:a16="http://schemas.microsoft.com/office/drawing/2014/main" id="{AC605933-22EB-9EEB-B3F0-BEE7C0CB426B}"/>
+              </a:ext>
+            </a:extLst>
+          </p:cNvPr>
+          <p:cNvSpPr txBox="1"/>
+          <p:nvPr/>
+        </p:nvSpPr>
+        <p:spPr>
+          <a:xfrm>
+            <a:off x="8396421" y="2168031"/>
+            <a:ext cx="3293665" cy="1200329"/>
+          </a:xfrm>
+          <a:prstGeom prst="rect">
+            <a:avLst/>
+          </a:prstGeom>
+          <a:noFill/>
+        </p:spPr>
+        <p:txBody>
+          <a:bodyPr wrap="square" rtlCol="0">
+            <a:spAutoFit/>
+          </a:bodyPr>
+          <a:lstStyle/>
+          <a:p>
+            <a:r>
+              <a:rPr lang="en-US" altLang="zh-CN" sz="7200" b="1" dirty="0">
+                <a:solidFill>
+                  <a:srgbClr val="FF0000"/>
+                </a:solidFill>
+                <a:latin typeface="仿宋" panose="02010609060101010101" pitchFamily="49" charset="-122"/>
+                <a:ea typeface="仿宋" panose="02010609060101010101" pitchFamily="49" charset="-122"/>
+                <a:cs typeface="Nirmala UI" panose="020B0502040204020203" pitchFamily="34" charset="0"/>
+              </a:rPr>
+              <a:t>Part 2</a:t>
+            </a:r>
+            <a:endParaRPr lang="zh-CN" altLang="en-US" sz="7200" b="1" dirty="0">
+              <a:solidFill>
+                <a:srgbClr val="FF0000"/>
+              </a:solidFill>
+              <a:latin typeface="仿宋" panose="02010609060101010101" pitchFamily="49" charset="-122"/>
+              <a:ea typeface="仿宋" panose="02010609060101010101" pitchFamily="49" charset="-122"/>
+              <a:cs typeface="Nirmala UI" panose="020B0502040204020203" pitchFamily="34" charset="0"/>
+            </a:endParaRPr>
+          </a:p>
+        </p:txBody>
+      </p:sp>
+      <p:sp>
+        <p:nvSpPr>
+          <p:cNvPr id="6" name="文本框 5">
+            <a:extLst>
+              <a:ext uri="{FF2B5EF4-FFF2-40B4-BE49-F238E27FC236}">
+                <a16:creationId xmlns:a16="http://schemas.microsoft.com/office/drawing/2014/main" id="{FF45C682-7AFE-8F6F-5A8C-2B9567F6C514}"/>
+              </a:ext>
+            </a:extLst>
+          </p:cNvPr>
+          <p:cNvSpPr txBox="1"/>
+          <p:nvPr/>
+        </p:nvSpPr>
+        <p:spPr>
+          <a:xfrm>
+            <a:off x="636928" y="2535596"/>
+            <a:ext cx="7553806" cy="769441"/>
+          </a:xfrm>
+          <a:prstGeom prst="rect">
+            <a:avLst/>
+          </a:prstGeom>
+          <a:noFill/>
+        </p:spPr>
+        <p:txBody>
+          <a:bodyPr wrap="square" rtlCol="0">
+            <a:spAutoFit/>
+          </a:bodyPr>
+          <a:lstStyle/>
+          <a:p>
+            <a:pPr algn="r"/>
+            <a:r>
+              <a:rPr lang="zh-CN" altLang="en-US" sz="4400" dirty="0">
+                <a:solidFill>
+                  <a:srgbClr val="FF0000"/>
+                </a:solidFill>
+                <a:latin typeface="华文楷体" panose="02010600040101010101" pitchFamily="2" charset="-122"/>
+                <a:ea typeface="华文楷体" panose="02010600040101010101" pitchFamily="2" charset="-122"/>
+              </a:rPr>
+              <a:t>文本文本文本文本部分主题</a:t>
+            </a:r>
+            <a:r>
+              <a:rPr lang="en-US" altLang="zh-CN" sz="4400" dirty="0">
+                <a:solidFill>
+                  <a:srgbClr val="FF0000"/>
+                </a:solidFill>
+                <a:latin typeface="华文楷体" panose="02010600040101010101" pitchFamily="2" charset="-122"/>
+                <a:ea typeface="华文楷体" panose="02010600040101010101" pitchFamily="2" charset="-122"/>
+              </a:rPr>
+              <a:t>2</a:t>
+            </a:r>
+            <a:endParaRPr lang="zh-CN" altLang="en-US" sz="4400" dirty="0">
+              <a:solidFill>
+                <a:srgbClr val="FF0000"/>
+              </a:solidFill>
+              <a:latin typeface="华文楷体" panose="02010600040101010101" pitchFamily="2" charset="-122"/>
+              <a:ea typeface="华文楷体" panose="02010600040101010101" pitchFamily="2" charset="-122"/>
+            </a:endParaRPr>
+          </a:p>
+        </p:txBody>
+      </p:sp>
+      <p:cxnSp>
+        <p:nvCxnSpPr>
+          <p:cNvPr id="8" name="直接连接符 7">
+            <a:extLst>
+              <a:ext uri="{FF2B5EF4-FFF2-40B4-BE49-F238E27FC236}">
+                <a16:creationId xmlns:a16="http://schemas.microsoft.com/office/drawing/2014/main" id="{F8557847-FD77-FCE4-A727-D174C9BD97EF}"/>
+              </a:ext>
+            </a:extLst>
+          </p:cNvPr>
+          <p:cNvCxnSpPr/>
+          <p:nvPr/>
+        </p:nvCxnSpPr>
+        <p:spPr>
+          <a:xfrm>
+            <a:off x="737557" y="3368360"/>
+            <a:ext cx="10816492" cy="0"/>
+          </a:xfrm>
+          <a:prstGeom prst="line">
+            <a:avLst/>
+          </a:prstGeom>
+          <a:ln w="25400">
+            <a:solidFill>
+              <a:srgbClr val="FF0000"/>
+            </a:solidFill>
+          </a:ln>
+        </p:spPr>
+        <p:style>
+          <a:lnRef idx="1">
+            <a:schemeClr val="accent2"/>
+          </a:lnRef>
+          <a:fillRef idx="0">
+            <a:schemeClr val="accent2"/>
+          </a:fillRef>
+          <a:effectRef idx="0">
+            <a:schemeClr val="accent2"/>
+          </a:effectRef>
+          <a:fontRef idx="minor">
+            <a:schemeClr val="tx1"/>
+          </a:fontRef>
+        </p:style>
+      </p:cxnSp>
+      <p:sp>
+        <p:nvSpPr>
+          <p:cNvPr id="11" name="文本框 10">
+            <a:extLst>
+              <a:ext uri="{FF2B5EF4-FFF2-40B4-BE49-F238E27FC236}">
+                <a16:creationId xmlns:a16="http://schemas.microsoft.com/office/drawing/2014/main" id="{83B30FB2-937E-1631-E9FB-1EB8BAF56EA6}"/>
+              </a:ext>
+            </a:extLst>
+          </p:cNvPr>
+          <p:cNvSpPr txBox="1"/>
+          <p:nvPr/>
+        </p:nvSpPr>
+        <p:spPr>
+          <a:xfrm>
+            <a:off x="737557" y="3368360"/>
+            <a:ext cx="4735547" cy="1200329"/>
+          </a:xfrm>
+          <a:prstGeom prst="rect">
+            <a:avLst/>
+          </a:prstGeom>
+          <a:noFill/>
+        </p:spPr>
+        <p:txBody>
+          <a:bodyPr wrap="square" rtlCol="0">
+            <a:spAutoFit/>
+          </a:bodyPr>
+          <a:lstStyle/>
+          <a:p>
+            <a:r>
+              <a:rPr lang="en-US" altLang="zh-CN" sz="7200" b="1" dirty="0">
+                <a:solidFill>
+                  <a:srgbClr val="FF0000"/>
+                </a:solidFill>
+                <a:latin typeface="仿宋" panose="02010609060101010101" pitchFamily="49" charset="-122"/>
+                <a:ea typeface="仿宋" panose="02010609060101010101" pitchFamily="49" charset="-122"/>
+                <a:cs typeface="Nirmala UI" panose="020B0502040204020203" pitchFamily="34" charset="0"/>
+              </a:rPr>
+              <a:t>Part 3</a:t>
+            </a:r>
+            <a:endParaRPr lang="zh-CN" altLang="en-US" sz="7200" b="1" dirty="0">
+              <a:solidFill>
+                <a:srgbClr val="FF0000"/>
+              </a:solidFill>
+              <a:latin typeface="仿宋" panose="02010609060101010101" pitchFamily="49" charset="-122"/>
+              <a:ea typeface="仿宋" panose="02010609060101010101" pitchFamily="49" charset="-122"/>
+              <a:cs typeface="Nirmala UI" panose="020B0502040204020203" pitchFamily="34" charset="0"/>
+            </a:endParaRPr>
+          </a:p>
+        </p:txBody>
+      </p:sp>
+      <p:sp>
+        <p:nvSpPr>
+          <p:cNvPr id="13" name="文本框 12">
+            <a:extLst>
+              <a:ext uri="{FF2B5EF4-FFF2-40B4-BE49-F238E27FC236}">
+                <a16:creationId xmlns:a16="http://schemas.microsoft.com/office/drawing/2014/main" id="{FC72C021-6378-2ABF-D5AC-48DBD3CADAA9}"/>
+              </a:ext>
+            </a:extLst>
+          </p:cNvPr>
+          <p:cNvSpPr txBox="1"/>
+          <p:nvPr/>
+        </p:nvSpPr>
+        <p:spPr>
+          <a:xfrm>
+            <a:off x="4000243" y="3717130"/>
+            <a:ext cx="7553806" cy="769441"/>
+          </a:xfrm>
+          <a:prstGeom prst="rect">
+            <a:avLst/>
+          </a:prstGeom>
+          <a:noFill/>
+        </p:spPr>
+        <p:txBody>
+          <a:bodyPr wrap="square" rtlCol="0">
+            <a:spAutoFit/>
+          </a:bodyPr>
+          <a:lstStyle/>
+          <a:p>
+            <a:r>
+              <a:rPr lang="zh-CN" altLang="en-US" sz="4400" dirty="0">
+                <a:solidFill>
+                  <a:srgbClr val="FF0000"/>
+                </a:solidFill>
+                <a:latin typeface="华文楷体" panose="02010600040101010101" pitchFamily="2" charset="-122"/>
+                <a:ea typeface="华文楷体" panose="02010600040101010101" pitchFamily="2" charset="-122"/>
+              </a:rPr>
+              <a:t>部分主题</a:t>
+            </a:r>
+            <a:r>
+              <a:rPr lang="en-US" altLang="zh-CN" sz="4400" dirty="0">
+                <a:solidFill>
+                  <a:srgbClr val="FF0000"/>
+                </a:solidFill>
+                <a:latin typeface="华文楷体" panose="02010600040101010101" pitchFamily="2" charset="-122"/>
+                <a:ea typeface="华文楷体" panose="02010600040101010101" pitchFamily="2" charset="-122"/>
+              </a:rPr>
+              <a:t>3</a:t>
+            </a:r>
+            <a:r>
+              <a:rPr lang="zh-CN" altLang="en-US" sz="4400" dirty="0">
+                <a:solidFill>
+                  <a:srgbClr val="FF0000"/>
+                </a:solidFill>
+                <a:latin typeface="华文楷体" panose="02010600040101010101" pitchFamily="2" charset="-122"/>
+                <a:ea typeface="华文楷体" panose="02010600040101010101" pitchFamily="2" charset="-122"/>
+              </a:rPr>
+              <a:t>文本文本文本文本</a:t>
+            </a:r>
+          </a:p>
+        </p:txBody>
+      </p:sp>
+      <p:cxnSp>
+        <p:nvCxnSpPr>
+          <p:cNvPr id="14" name="直接连接符 13">
+            <a:extLst>
+              <a:ext uri="{FF2B5EF4-FFF2-40B4-BE49-F238E27FC236}">
+                <a16:creationId xmlns:a16="http://schemas.microsoft.com/office/drawing/2014/main" id="{D912F48C-A74F-8CEA-147E-094103A7A743}"/>
+              </a:ext>
+            </a:extLst>
+          </p:cNvPr>
+          <p:cNvCxnSpPr/>
+          <p:nvPr/>
+        </p:nvCxnSpPr>
+        <p:spPr>
+          <a:xfrm>
+            <a:off x="781538" y="4568689"/>
+            <a:ext cx="10816492" cy="0"/>
+          </a:xfrm>
+          <a:prstGeom prst="line">
+            <a:avLst/>
+          </a:prstGeom>
+          <a:ln w="25400">
+            <a:solidFill>
+              <a:srgbClr val="FF0000"/>
+            </a:solidFill>
+          </a:ln>
+        </p:spPr>
+        <p:style>
+          <a:lnRef idx="1">
+            <a:schemeClr val="accent2"/>
+          </a:lnRef>
+          <a:fillRef idx="0">
+            <a:schemeClr val="accent2"/>
+          </a:fillRef>
+          <a:effectRef idx="0">
+            <a:schemeClr val="accent2"/>
+          </a:effectRef>
+          <a:fontRef idx="minor">
+            <a:schemeClr val="tx1"/>
+          </a:fontRef>
+        </p:style>
+      </p:cxnSp>
+      <p:sp>
+        <p:nvSpPr>
+          <p:cNvPr id="15" name="文本框 14">
+            <a:extLst>
+              <a:ext uri="{FF2B5EF4-FFF2-40B4-BE49-F238E27FC236}">
+                <a16:creationId xmlns:a16="http://schemas.microsoft.com/office/drawing/2014/main" id="{26973E8C-6958-AF4B-6E53-668400B5FCAF}"/>
+              </a:ext>
+            </a:extLst>
+          </p:cNvPr>
+          <p:cNvSpPr txBox="1"/>
+          <p:nvPr/>
+        </p:nvSpPr>
+        <p:spPr>
+          <a:xfrm>
+            <a:off x="636928" y="4944832"/>
+            <a:ext cx="7553806" cy="769441"/>
+          </a:xfrm>
+          <a:prstGeom prst="rect">
+            <a:avLst/>
+          </a:prstGeom>
+          <a:noFill/>
+        </p:spPr>
+        <p:txBody>
+          <a:bodyPr wrap="square" rtlCol="0">
+            <a:spAutoFit/>
+          </a:bodyPr>
+          <a:lstStyle/>
+          <a:p>
+            <a:pPr algn="r"/>
+            <a:r>
+              <a:rPr lang="zh-CN" altLang="en-US" sz="4400" dirty="0">
+                <a:solidFill>
+                  <a:srgbClr val="FF0000"/>
+                </a:solidFill>
+                <a:latin typeface="华文楷体" panose="02010600040101010101" pitchFamily="2" charset="-122"/>
+                <a:ea typeface="华文楷体" panose="02010600040101010101" pitchFamily="2" charset="-122"/>
+              </a:rPr>
+              <a:t>文本文本文本文本部分主题</a:t>
+            </a:r>
+            <a:r>
+              <a:rPr lang="en-US" altLang="zh-CN" sz="4400" dirty="0">
+                <a:solidFill>
+                  <a:srgbClr val="FF0000"/>
+                </a:solidFill>
+                <a:latin typeface="华文楷体" panose="02010600040101010101" pitchFamily="2" charset="-122"/>
+                <a:ea typeface="华文楷体" panose="02010600040101010101" pitchFamily="2" charset="-122"/>
+              </a:rPr>
+              <a:t>4</a:t>
+            </a:r>
+            <a:endParaRPr lang="zh-CN" altLang="en-US" sz="4400" dirty="0">
+              <a:solidFill>
+                <a:srgbClr val="FF0000"/>
+              </a:solidFill>
+              <a:latin typeface="华文楷体" panose="02010600040101010101" pitchFamily="2" charset="-122"/>
+              <a:ea typeface="华文楷体" panose="02010600040101010101" pitchFamily="2" charset="-122"/>
+            </a:endParaRPr>
+          </a:p>
+        </p:txBody>
+      </p:sp>
+      <p:sp>
+        <p:nvSpPr>
+          <p:cNvPr id="16" name="文本框 15">
+            <a:extLst>
+              <a:ext uri="{FF2B5EF4-FFF2-40B4-BE49-F238E27FC236}">
+                <a16:creationId xmlns:a16="http://schemas.microsoft.com/office/drawing/2014/main" id="{3420ED83-9DA7-5CF7-EEB1-A76BD206AF7C}"/>
+              </a:ext>
+            </a:extLst>
+          </p:cNvPr>
+          <p:cNvSpPr txBox="1"/>
+          <p:nvPr/>
+        </p:nvSpPr>
+        <p:spPr>
+          <a:xfrm>
+            <a:off x="8396420" y="4513944"/>
+            <a:ext cx="3293665" cy="1200329"/>
+          </a:xfrm>
+          <a:prstGeom prst="rect">
+            <a:avLst/>
+          </a:prstGeom>
+          <a:noFill/>
+        </p:spPr>
+        <p:txBody>
+          <a:bodyPr wrap="square" rtlCol="0">
+            <a:spAutoFit/>
+          </a:bodyPr>
+          <a:lstStyle/>
+          <a:p>
+            <a:r>
+              <a:rPr lang="en-US" altLang="zh-CN" sz="7200" b="1" dirty="0">
+                <a:solidFill>
+                  <a:srgbClr val="FF0000"/>
+                </a:solidFill>
+                <a:latin typeface="仿宋" panose="02010609060101010101" pitchFamily="49" charset="-122"/>
+                <a:ea typeface="仿宋" panose="02010609060101010101" pitchFamily="49" charset="-122"/>
+                <a:cs typeface="Nirmala UI" panose="020B0502040204020203" pitchFamily="34" charset="0"/>
+              </a:rPr>
+              <a:t>Part 4</a:t>
+            </a:r>
+            <a:endParaRPr lang="zh-CN" altLang="en-US" sz="7200" b="1" dirty="0">
+              <a:solidFill>
+                <a:srgbClr val="FF0000"/>
+              </a:solidFill>
+              <a:latin typeface="仿宋" panose="02010609060101010101" pitchFamily="49" charset="-122"/>
+              <a:ea typeface="仿宋" panose="02010609060101010101" pitchFamily="49" charset="-122"/>
+              <a:cs typeface="Nirmala UI" panose="020B0502040204020203" pitchFamily="34" charset="0"/>
+            </a:endParaRPr>
+          </a:p>
+        </p:txBody>
+      </p:sp>
+    </p:spTree>
+    <p:extLst>
+      <p:ext uri="{BB962C8B-B14F-4D97-AF65-F5344CB8AC3E}">
+        <p14:creationId xmlns:p14="http://schemas.microsoft.com/office/powerpoint/2010/main" val="4122973838"/>
+      </p:ext>
+    </p:extLst>
+  </p:cSld>
+  <p:clrMapOvr>
+    <a:masterClrMapping/>
+  </p:clrMapOvr>
+  <mc:AlternateContent xmlns:mc="http://schemas.openxmlformats.org/markup-compatibility/2006">
+    <mc:Choice xmlns:p159="http://schemas.microsoft.com/office/powerpoint/2015/09/main" Requires="p159">
+      <p:transition xmlns:p14="http://schemas.microsoft.com/office/powerpoint/2010/main" spd="slow" p14:dur="2000">
+        <p159:morph option="byObject"/>
+      </p:transition>
+    </mc:Choice>
+    <mc:Fallback>
+      <p:transition spd="slow">
+        <p:fade/>
+      </p:transition>
+    </mc:Fallback>
+  </mc:AlternateContent>
+</p:sld>
+</file>
+
+<file path=ppt/slides/slide4.xml><?xml version="1.0" encoding="utf-8"?>
+<p:sld xmlns:a="http://schemas.openxmlformats.org/drawingml/2006/main" xmlns:r="http://schemas.openxmlformats.org/officeDocument/2006/relationships" xmlns:p="http://schemas.openxmlformats.org/presentationml/2006/main">
+  <p:cSld>
+    <p:bg>
+      <p:bgPr>
+        <a:blipFill dpi="0" rotWithShape="1">
+          <a:blip r:embed="rId3">
+            <a:lum/>
+          </a:blip>
+          <a:srcRect/>
+          <a:stretch>
+            <a:fillRect/>
+          </a:stretch>
+        </a:blipFill>
+        <a:effectLst/>
+      </p:bgPr>
+    </p:bg>
+    <p:spTree>
+      <p:nvGrpSpPr>
+        <p:cNvPr id="1" name=""/>
+        <p:cNvGrpSpPr/>
+        <p:nvPr/>
+      </p:nvGrpSpPr>
+      <p:grpSpPr>
+        <a:xfrm>
+          <a:off x="0" y="0"/>
+          <a:ext cx="0" cy="0"/>
+          <a:chOff x="0" y="0"/>
+          <a:chExt cx="0" cy="0"/>
+        </a:xfrm>
+      </p:grpSpPr>
+      <p:sp>
+        <p:nvSpPr>
+          <p:cNvPr id="5" name="文本框 4">
+            <a:extLst>
+              <a:ext uri="{FF2B5EF4-FFF2-40B4-BE49-F238E27FC236}">
+                <a16:creationId xmlns:a16="http://schemas.microsoft.com/office/drawing/2014/main" id="{BA4A1E37-A394-4C2A-0A6D-02B00B307EAF}"/>
+              </a:ext>
+            </a:extLst>
+          </p:cNvPr>
+          <p:cNvSpPr txBox="1"/>
+          <p:nvPr/>
+        </p:nvSpPr>
+        <p:spPr>
+          <a:xfrm>
+            <a:off x="1055076" y="517787"/>
+            <a:ext cx="3782646" cy="523220"/>
+          </a:xfrm>
+          <a:prstGeom prst="rect">
+            <a:avLst/>
+          </a:prstGeom>
+          <a:noFill/>
+        </p:spPr>
+        <p:txBody>
+          <a:bodyPr wrap="square" rtlCol="0">
+            <a:spAutoFit/>
+          </a:bodyPr>
+          <a:lstStyle/>
+          <a:p>
+            <a:r>
+              <a:rPr lang="en-US" altLang="zh-CN" sz="2800" b="1" dirty="0">
+                <a:solidFill>
+                  <a:srgbClr val="FF0000"/>
+                </a:solidFill>
+                <a:latin typeface="新宋体" panose="02010609030101010101" pitchFamily="49" charset="-122"/>
+                <a:ea typeface="新宋体" panose="02010609030101010101" pitchFamily="49" charset="-122"/>
+              </a:rPr>
+              <a:t>Part XX</a:t>
+            </a:r>
+            <a:endParaRPr lang="zh-CN" altLang="en-US" sz="2800" b="1" dirty="0">
+              <a:solidFill>
+                <a:srgbClr val="FF0000"/>
+              </a:solidFill>
+              <a:latin typeface="新宋体" panose="02010609030101010101" pitchFamily="49" charset="-122"/>
+              <a:ea typeface="新宋体" panose="02010609030101010101" pitchFamily="49" charset="-122"/>
+            </a:endParaRPr>
+          </a:p>
+        </p:txBody>
+      </p:sp>
+      <p:sp>
+        <p:nvSpPr>
+          <p:cNvPr id="7" name="文本框 6">
+            <a:extLst>
+              <a:ext uri="{FF2B5EF4-FFF2-40B4-BE49-F238E27FC236}">
+                <a16:creationId xmlns:a16="http://schemas.microsoft.com/office/drawing/2014/main" id="{8E22B3D0-FC80-8186-F0B0-456BF3F4A0A3}"/>
+              </a:ext>
+            </a:extLst>
+          </p:cNvPr>
+          <p:cNvSpPr txBox="1"/>
+          <p:nvPr/>
+        </p:nvSpPr>
+        <p:spPr>
+          <a:xfrm>
+            <a:off x="2836985" y="2182473"/>
+            <a:ext cx="6518030" cy="1107996"/>
+          </a:xfrm>
+          <a:prstGeom prst="rect">
+            <a:avLst/>
+          </a:prstGeom>
+          <a:noFill/>
+        </p:spPr>
+        <p:txBody>
+          <a:bodyPr wrap="square" rtlCol="0">
+            <a:spAutoFit/>
+          </a:bodyPr>
+          <a:lstStyle/>
+          <a:p>
+            <a:pPr algn="ctr"/>
+            <a:r>
+              <a:rPr lang="zh-CN" altLang="en-US" sz="6600" b="1" dirty="0">
+                <a:solidFill>
+                  <a:srgbClr val="FF0000"/>
+                </a:solidFill>
+                <a:latin typeface="新宋体" panose="02010609030101010101" pitchFamily="49" charset="-122"/>
+                <a:ea typeface="新宋体" panose="02010609030101010101" pitchFamily="49" charset="-122"/>
+              </a:rPr>
+              <a:t>部分主题</a:t>
+            </a:r>
+          </a:p>
+        </p:txBody>
+      </p:sp>
+      <p:cxnSp>
+        <p:nvCxnSpPr>
+          <p:cNvPr id="9" name="直接连接符 8">
+            <a:extLst>
+              <a:ext uri="{FF2B5EF4-FFF2-40B4-BE49-F238E27FC236}">
+                <a16:creationId xmlns:a16="http://schemas.microsoft.com/office/drawing/2014/main" id="{10E198F7-9501-B7E7-D556-10D470013CAD}"/>
+              </a:ext>
+            </a:extLst>
+          </p:cNvPr>
+          <p:cNvCxnSpPr/>
+          <p:nvPr/>
+        </p:nvCxnSpPr>
+        <p:spPr>
+          <a:xfrm>
+            <a:off x="781538" y="3546206"/>
+            <a:ext cx="10816492" cy="0"/>
+          </a:xfrm>
+          <a:prstGeom prst="line">
+            <a:avLst/>
+          </a:prstGeom>
+          <a:ln w="25400">
+            <a:solidFill>
+              <a:srgbClr val="FF0000"/>
+            </a:solidFill>
+          </a:ln>
+        </p:spPr>
+        <p:style>
+          <a:lnRef idx="1">
+            <a:schemeClr val="accent2"/>
+          </a:lnRef>
+          <a:fillRef idx="0">
+            <a:schemeClr val="accent2"/>
+          </a:fillRef>
+          <a:effectRef idx="0">
+            <a:schemeClr val="accent2"/>
+          </a:effectRef>
+          <a:fontRef idx="minor">
+            <a:schemeClr val="tx1"/>
+          </a:fontRef>
+        </p:style>
+      </p:cxnSp>
+      <p:sp>
+        <p:nvSpPr>
+          <p:cNvPr id="2" name="文本框 1">
+            <a:extLst>
+              <a:ext uri="{FF2B5EF4-FFF2-40B4-BE49-F238E27FC236}">
+                <a16:creationId xmlns:a16="http://schemas.microsoft.com/office/drawing/2014/main" id="{A6852A03-4C26-D127-146C-FA39517DEDBB}"/>
+              </a:ext>
+            </a:extLst>
+          </p:cNvPr>
+          <p:cNvSpPr txBox="1"/>
+          <p:nvPr/>
+        </p:nvSpPr>
+        <p:spPr>
+          <a:xfrm>
+            <a:off x="2836985" y="3619850"/>
+            <a:ext cx="6518030" cy="461665"/>
+          </a:xfrm>
+          <a:prstGeom prst="rect">
+            <a:avLst/>
+          </a:prstGeom>
+          <a:noFill/>
+        </p:spPr>
+        <p:txBody>
+          <a:bodyPr wrap="square" rtlCol="0">
+            <a:spAutoFit/>
+          </a:bodyPr>
+          <a:lstStyle/>
+          <a:p>
+            <a:pPr algn="ctr"/>
+            <a:r>
+              <a:rPr lang="zh-CN" altLang="en-US" sz="2400" b="1" dirty="0">
+                <a:solidFill>
+                  <a:srgbClr val="FF0000"/>
+                </a:solidFill>
+                <a:latin typeface="等线 Light" panose="02010600030101010101" pitchFamily="2" charset="-122"/>
+                <a:ea typeface="等线 Light" panose="02010600030101010101" pitchFamily="2" charset="-122"/>
+              </a:rPr>
+              <a:t>小标题文本小标题文本小标题文本</a:t>
+            </a:r>
+          </a:p>
+        </p:txBody>
+      </p:sp>
+    </p:spTree>
+    <p:extLst>
+      <p:ext uri="{BB962C8B-B14F-4D97-AF65-F5344CB8AC3E}">
+        <p14:creationId xmlns:p14="http://schemas.microsoft.com/office/powerpoint/2010/main" val="4287531975"/>
+      </p:ext>
+    </p:extLst>
+  </p:cSld>
+  <p:clrMapOvr>
+    <a:masterClrMapping/>
+  </p:clrMapOvr>
+  <mc:AlternateContent xmlns:mc="http://schemas.openxmlformats.org/markup-compatibility/2006">
+    <mc:Choice xmlns:p159="http://schemas.microsoft.com/office/powerpoint/2015/09/main" Requires="p159">
+      <p:transition xmlns:p14="http://schemas.microsoft.com/office/powerpoint/2010/main" spd="slow" p14:dur="2000">
+        <p159:morph option="byObject"/>
+      </p:transition>
+    </mc:Choice>
+    <mc:Fallback>
+      <p:transition spd="slow">
+        <p:fade/>
+      </p:transition>
+    </mc:Fallback>
+  </mc:AlternateContent>
+</p:sld>
+</file>
+
+<file path=ppt/slides/slide5.xml><?xml version="1.0" encoding="utf-8"?>
+<p:sld xmlns:a="http://schemas.openxmlformats.org/drawingml/2006/main" xmlns:r="http://schemas.openxmlformats.org/officeDocument/2006/relationships" xmlns:p="http://schemas.openxmlformats.org/presentationml/2006/main">
+  <p:cSld>
+    <p:bg>
+      <p:bgPr>
+        <a:blipFill dpi="0" rotWithShape="1">
+          <a:blip r:embed="rId3">
+            <a:lum/>
+          </a:blip>
+          <a:srcRect/>
+          <a:stretch>
+            <a:fillRect/>
+          </a:stretch>
+        </a:blipFill>
+        <a:effectLst/>
+      </p:bgPr>
+    </p:bg>
+    <p:spTree>
+      <p:nvGrpSpPr>
+        <p:cNvPr id="1" name=""/>
+        <p:cNvGrpSpPr/>
+        <p:nvPr/>
+      </p:nvGrpSpPr>
+      <p:grpSpPr>
+        <a:xfrm>
+          <a:off x="0" y="0"/>
+          <a:ext cx="0" cy="0"/>
+          <a:chOff x="0" y="0"/>
+          <a:chExt cx="0" cy="0"/>
+        </a:xfrm>
+      </p:grpSpPr>
+      <p:sp>
+        <p:nvSpPr>
+          <p:cNvPr id="5" name="文本框 4">
+            <a:extLst>
+              <a:ext uri="{FF2B5EF4-FFF2-40B4-BE49-F238E27FC236}">
+                <a16:creationId xmlns:a16="http://schemas.microsoft.com/office/drawing/2014/main" id="{BA4A1E37-A394-4C2A-0A6D-02B00B307EAF}"/>
+              </a:ext>
+            </a:extLst>
+          </p:cNvPr>
+          <p:cNvSpPr txBox="1"/>
+          <p:nvPr/>
+        </p:nvSpPr>
+        <p:spPr>
+          <a:xfrm>
+            <a:off x="1055076" y="517787"/>
+            <a:ext cx="3782646" cy="523220"/>
+          </a:xfrm>
+          <a:prstGeom prst="rect">
+            <a:avLst/>
+          </a:prstGeom>
+          <a:noFill/>
+        </p:spPr>
+        <p:txBody>
+          <a:bodyPr wrap="square" rtlCol="0">
+            <a:spAutoFit/>
+          </a:bodyPr>
+          <a:lstStyle/>
+          <a:p>
+            <a:r>
+              <a:rPr lang="zh-CN" altLang="en-US" sz="2800" b="1" dirty="0">
+                <a:solidFill>
+                  <a:srgbClr val="FF0000"/>
+                </a:solidFill>
+                <a:latin typeface="新宋体" panose="02010609030101010101" pitchFamily="49" charset="-122"/>
+                <a:ea typeface="新宋体" panose="02010609030101010101" pitchFamily="49" charset="-122"/>
+              </a:rPr>
+              <a:t>本页主题</a:t>
+            </a:r>
+          </a:p>
+        </p:txBody>
+      </p:sp>
+      <p:sp>
+        <p:nvSpPr>
+          <p:cNvPr id="7" name="文本框 6">
+            <a:extLst>
+              <a:ext uri="{FF2B5EF4-FFF2-40B4-BE49-F238E27FC236}">
+                <a16:creationId xmlns:a16="http://schemas.microsoft.com/office/drawing/2014/main" id="{8E22B3D0-FC80-8186-F0B0-456BF3F4A0A3}"/>
+              </a:ext>
+            </a:extLst>
+          </p:cNvPr>
+          <p:cNvSpPr txBox="1"/>
+          <p:nvPr/>
+        </p:nvSpPr>
+        <p:spPr>
+          <a:xfrm>
+            <a:off x="2836985" y="1041007"/>
+            <a:ext cx="6518030" cy="769441"/>
+          </a:xfrm>
+          <a:prstGeom prst="rect">
+            <a:avLst/>
+          </a:prstGeom>
+          <a:noFill/>
+        </p:spPr>
+        <p:txBody>
+          <a:bodyPr wrap="square" rtlCol="0">
+            <a:spAutoFit/>
+          </a:bodyPr>
+          <a:lstStyle/>
+          <a:p>
+            <a:pPr algn="ctr"/>
+            <a:r>
+              <a:rPr lang="zh-CN" altLang="en-US" sz="4400" dirty="0">
+                <a:solidFill>
+                  <a:srgbClr val="FF0000"/>
+                </a:solidFill>
+                <a:latin typeface="华文楷体" panose="02010600040101010101" pitchFamily="2" charset="-122"/>
+                <a:ea typeface="华文楷体" panose="02010600040101010101" pitchFamily="2" charset="-122"/>
+              </a:rPr>
+              <a:t>标题</a:t>
+            </a:r>
+          </a:p>
+        </p:txBody>
+      </p:sp>
+      <p:cxnSp>
+        <p:nvCxnSpPr>
+          <p:cNvPr id="9" name="直接连接符 8">
+            <a:extLst>
+              <a:ext uri="{FF2B5EF4-FFF2-40B4-BE49-F238E27FC236}">
+                <a16:creationId xmlns:a16="http://schemas.microsoft.com/office/drawing/2014/main" id="{10E198F7-9501-B7E7-D556-10D470013CAD}"/>
+              </a:ext>
+            </a:extLst>
+          </p:cNvPr>
+          <p:cNvCxnSpPr/>
+          <p:nvPr/>
+        </p:nvCxnSpPr>
+        <p:spPr>
+          <a:xfrm>
+            <a:off x="781538" y="1840148"/>
+            <a:ext cx="10816492" cy="0"/>
+          </a:xfrm>
+          <a:prstGeom prst="line">
+            <a:avLst/>
+          </a:prstGeom>
+          <a:ln w="25400">
+            <a:solidFill>
+              <a:srgbClr val="FF0000"/>
+            </a:solidFill>
+          </a:ln>
+        </p:spPr>
+        <p:style>
+          <a:lnRef idx="1">
+            <a:schemeClr val="accent2"/>
+          </a:lnRef>
+          <a:fillRef idx="0">
+            <a:schemeClr val="accent2"/>
+          </a:fillRef>
+          <a:effectRef idx="0">
+            <a:schemeClr val="accent2"/>
+          </a:effectRef>
+          <a:fontRef idx="minor">
+            <a:schemeClr val="tx1"/>
+          </a:fontRef>
+        </p:style>
+      </p:cxnSp>
+      <p:sp>
+        <p:nvSpPr>
+          <p:cNvPr id="10" name="文本框 9">
+            <a:extLst>
+              <a:ext uri="{FF2B5EF4-FFF2-40B4-BE49-F238E27FC236}">
+                <a16:creationId xmlns:a16="http://schemas.microsoft.com/office/drawing/2014/main" id="{9FDAB741-CAA4-AAAE-BD9A-4AAF4C636E03}"/>
+              </a:ext>
+            </a:extLst>
+          </p:cNvPr>
+          <p:cNvSpPr txBox="1"/>
+          <p:nvPr/>
+        </p:nvSpPr>
+        <p:spPr>
+          <a:xfrm>
+            <a:off x="781537" y="2081673"/>
+            <a:ext cx="7484883" cy="4401205"/>
+          </a:xfrm>
+          <a:prstGeom prst="rect">
+            <a:avLst/>
+          </a:prstGeom>
+          <a:noFill/>
+        </p:spPr>
+        <p:txBody>
+          <a:bodyPr wrap="square" rtlCol="0">
+            <a:spAutoFit/>
+          </a:bodyPr>
+          <a:lstStyle/>
+          <a:p>
+            <a:r>
+              <a:rPr lang="zh-CN" altLang="en-US" sz="2000" dirty="0">
+                <a:solidFill>
+                  <a:srgbClr val="FF0000"/>
+                </a:solidFill>
+                <a:latin typeface="华文宋体" panose="02010600040101010101" pitchFamily="2" charset="-122"/>
+                <a:ea typeface="华文宋体" panose="02010600040101010101" pitchFamily="2" charset="-122"/>
+              </a:rPr>
+              <a:t>在这里填写文字</a:t>
+            </a:r>
+            <a:endParaRPr lang="en-US" altLang="zh-CN" sz="2000" dirty="0">
+              <a:solidFill>
+                <a:srgbClr val="FF0000"/>
+              </a:solidFill>
+              <a:latin typeface="华文宋体" panose="02010600040101010101" pitchFamily="2" charset="-122"/>
+              <a:ea typeface="华文宋体" panose="02010600040101010101" pitchFamily="2" charset="-122"/>
+            </a:endParaRPr>
+          </a:p>
+          <a:p>
+            <a:r>
+              <a:rPr lang="zh-CN" altLang="en-US" sz="2000" dirty="0">
+                <a:solidFill>
+                  <a:srgbClr val="FF0000"/>
+                </a:solidFill>
+                <a:latin typeface="华文宋体" panose="02010600040101010101" pitchFamily="2" charset="-122"/>
+                <a:ea typeface="华文宋体" panose="02010600040101010101" pitchFamily="2" charset="-122"/>
+              </a:rPr>
+              <a:t>在这里填写文字</a:t>
+            </a:r>
+            <a:endParaRPr lang="en-US" altLang="zh-CN" sz="2000" dirty="0">
+              <a:solidFill>
+                <a:srgbClr val="FF0000"/>
+              </a:solidFill>
+              <a:latin typeface="华文宋体" panose="02010600040101010101" pitchFamily="2" charset="-122"/>
+              <a:ea typeface="华文宋体" panose="02010600040101010101" pitchFamily="2" charset="-122"/>
+            </a:endParaRPr>
+          </a:p>
+          <a:p>
+            <a:r>
+              <a:rPr lang="zh-CN" altLang="en-US" sz="2000" dirty="0">
+                <a:solidFill>
+                  <a:srgbClr val="FF0000"/>
+                </a:solidFill>
+                <a:latin typeface="华文宋体" panose="02010600040101010101" pitchFamily="2" charset="-122"/>
+                <a:ea typeface="华文宋体" panose="02010600040101010101" pitchFamily="2" charset="-122"/>
+              </a:rPr>
+              <a:t>在这里填写文字</a:t>
+            </a:r>
+            <a:endParaRPr lang="en-US" altLang="zh-CN" sz="2000" dirty="0">
+              <a:solidFill>
+                <a:srgbClr val="FF0000"/>
+              </a:solidFill>
+              <a:latin typeface="华文宋体" panose="02010600040101010101" pitchFamily="2" charset="-122"/>
+              <a:ea typeface="华文宋体" panose="02010600040101010101" pitchFamily="2" charset="-122"/>
+            </a:endParaRPr>
+          </a:p>
+          <a:p>
+            <a:r>
+              <a:rPr lang="zh-CN" altLang="en-US" sz="2000" dirty="0">
+                <a:solidFill>
+                  <a:srgbClr val="FF0000"/>
+                </a:solidFill>
+                <a:latin typeface="华文宋体" panose="02010600040101010101" pitchFamily="2" charset="-122"/>
+                <a:ea typeface="华文宋体" panose="02010600040101010101" pitchFamily="2" charset="-122"/>
+              </a:rPr>
+              <a:t>在这里填写文字</a:t>
+            </a:r>
+            <a:endParaRPr lang="en-US" altLang="zh-CN" sz="2000" dirty="0">
+              <a:solidFill>
+                <a:srgbClr val="FF0000"/>
+              </a:solidFill>
+              <a:latin typeface="华文宋体" panose="02010600040101010101" pitchFamily="2" charset="-122"/>
+              <a:ea typeface="华文宋体" panose="02010600040101010101" pitchFamily="2" charset="-122"/>
+            </a:endParaRPr>
+          </a:p>
+          <a:p>
+            <a:r>
+              <a:rPr lang="zh-CN" altLang="en-US" sz="2000" dirty="0">
+                <a:solidFill>
+                  <a:srgbClr val="FF0000"/>
+                </a:solidFill>
+                <a:latin typeface="华文宋体" panose="02010600040101010101" pitchFamily="2" charset="-122"/>
+                <a:ea typeface="华文宋体" panose="02010600040101010101" pitchFamily="2" charset="-122"/>
+              </a:rPr>
+              <a:t>在这里填写文字</a:t>
+            </a:r>
+            <a:endParaRPr lang="en-US" altLang="zh-CN" sz="2000" dirty="0">
+              <a:solidFill>
+                <a:srgbClr val="FF0000"/>
+              </a:solidFill>
+              <a:latin typeface="华文宋体" panose="02010600040101010101" pitchFamily="2" charset="-122"/>
+              <a:ea typeface="华文宋体" panose="02010600040101010101" pitchFamily="2" charset="-122"/>
+            </a:endParaRPr>
+          </a:p>
+          <a:p>
+            <a:r>
+              <a:rPr lang="zh-CN" altLang="en-US" sz="2000" dirty="0">
+                <a:solidFill>
+                  <a:srgbClr val="FF0000"/>
+                </a:solidFill>
+                <a:latin typeface="华文宋体" panose="02010600040101010101" pitchFamily="2" charset="-122"/>
+                <a:ea typeface="华文宋体" panose="02010600040101010101" pitchFamily="2" charset="-122"/>
+              </a:rPr>
+              <a:t>在这里填写文字</a:t>
+            </a:r>
+            <a:endParaRPr lang="en-US" altLang="zh-CN" sz="2000" dirty="0">
+              <a:solidFill>
+                <a:srgbClr val="FF0000"/>
+              </a:solidFill>
+              <a:latin typeface="华文宋体" panose="02010600040101010101" pitchFamily="2" charset="-122"/>
+              <a:ea typeface="华文宋体" panose="02010600040101010101" pitchFamily="2" charset="-122"/>
+            </a:endParaRPr>
+          </a:p>
+          <a:p>
+            <a:r>
+              <a:rPr lang="zh-CN" altLang="en-US" sz="2000" dirty="0">
+                <a:solidFill>
+                  <a:srgbClr val="FF0000"/>
+                </a:solidFill>
+                <a:latin typeface="华文宋体" panose="02010600040101010101" pitchFamily="2" charset="-122"/>
+                <a:ea typeface="华文宋体" panose="02010600040101010101" pitchFamily="2" charset="-122"/>
+              </a:rPr>
+              <a:t>在这里填写文字 文本框边界 </a:t>
+            </a:r>
+            <a:r>
+              <a:rPr lang="en-US" altLang="zh-CN" sz="2000" dirty="0">
+                <a:solidFill>
+                  <a:srgbClr val="FF0000"/>
+                </a:solidFill>
+                <a:latin typeface="华文宋体" panose="02010600040101010101" pitchFamily="2" charset="-122"/>
+                <a:ea typeface="华文宋体" panose="02010600040101010101" pitchFamily="2" charset="-122"/>
+              </a:rPr>
+              <a:t>--------------------------------------------------|</a:t>
+            </a:r>
+          </a:p>
+          <a:p>
+            <a:r>
+              <a:rPr lang="zh-CN" altLang="en-US" sz="2000" dirty="0">
+                <a:solidFill>
+                  <a:srgbClr val="FF0000"/>
+                </a:solidFill>
+                <a:latin typeface="华文宋体" panose="02010600040101010101" pitchFamily="2" charset="-122"/>
+                <a:ea typeface="华文宋体" panose="02010600040101010101" pitchFamily="2" charset="-122"/>
+              </a:rPr>
+              <a:t>在这里填写文字</a:t>
+            </a:r>
+            <a:endParaRPr lang="en-US" altLang="zh-CN" sz="2000" dirty="0">
+              <a:solidFill>
+                <a:srgbClr val="FF0000"/>
+              </a:solidFill>
+              <a:latin typeface="华文宋体" panose="02010600040101010101" pitchFamily="2" charset="-122"/>
+              <a:ea typeface="华文宋体" panose="02010600040101010101" pitchFamily="2" charset="-122"/>
+            </a:endParaRPr>
+          </a:p>
+          <a:p>
+            <a:r>
+              <a:rPr lang="zh-CN" altLang="en-US" sz="2000" dirty="0">
+                <a:solidFill>
+                  <a:srgbClr val="FF0000"/>
+                </a:solidFill>
+                <a:latin typeface="华文宋体" panose="02010600040101010101" pitchFamily="2" charset="-122"/>
+                <a:ea typeface="华文宋体" panose="02010600040101010101" pitchFamily="2" charset="-122"/>
+              </a:rPr>
+              <a:t>在这里填写文字</a:t>
+            </a:r>
+            <a:endParaRPr lang="en-US" altLang="zh-CN" sz="2000" dirty="0">
+              <a:solidFill>
+                <a:srgbClr val="FF0000"/>
+              </a:solidFill>
+              <a:latin typeface="华文宋体" panose="02010600040101010101" pitchFamily="2" charset="-122"/>
+              <a:ea typeface="华文宋体" panose="02010600040101010101" pitchFamily="2" charset="-122"/>
+            </a:endParaRPr>
+          </a:p>
+          <a:p>
+            <a:r>
+              <a:rPr lang="zh-CN" altLang="en-US" sz="2000" dirty="0">
+                <a:solidFill>
+                  <a:srgbClr val="FF0000"/>
+                </a:solidFill>
+                <a:latin typeface="华文宋体" panose="02010600040101010101" pitchFamily="2" charset="-122"/>
+                <a:ea typeface="华文宋体" panose="02010600040101010101" pitchFamily="2" charset="-122"/>
+              </a:rPr>
+              <a:t>在这里填写文字</a:t>
+            </a:r>
+            <a:endParaRPr lang="en-US" altLang="zh-CN" sz="2000" dirty="0">
+              <a:solidFill>
+                <a:srgbClr val="FF0000"/>
+              </a:solidFill>
+              <a:latin typeface="华文宋体" panose="02010600040101010101" pitchFamily="2" charset="-122"/>
+              <a:ea typeface="华文宋体" panose="02010600040101010101" pitchFamily="2" charset="-122"/>
+            </a:endParaRPr>
+          </a:p>
+          <a:p>
+            <a:r>
+              <a:rPr lang="zh-CN" altLang="en-US" sz="2000" dirty="0">
+                <a:solidFill>
+                  <a:srgbClr val="FF0000"/>
+                </a:solidFill>
+                <a:latin typeface="华文宋体" panose="02010600040101010101" pitchFamily="2" charset="-122"/>
+                <a:ea typeface="华文宋体" panose="02010600040101010101" pitchFamily="2" charset="-122"/>
+              </a:rPr>
+              <a:t>在这里填写文字</a:t>
+            </a:r>
+            <a:endParaRPr lang="en-US" altLang="zh-CN" sz="2000" dirty="0">
+              <a:solidFill>
+                <a:srgbClr val="FF0000"/>
+              </a:solidFill>
+              <a:latin typeface="华文宋体" panose="02010600040101010101" pitchFamily="2" charset="-122"/>
+              <a:ea typeface="华文宋体" panose="02010600040101010101" pitchFamily="2" charset="-122"/>
+            </a:endParaRPr>
+          </a:p>
+          <a:p>
+            <a:r>
+              <a:rPr lang="zh-CN" altLang="en-US" sz="2000" dirty="0">
+                <a:solidFill>
+                  <a:srgbClr val="FF0000"/>
+                </a:solidFill>
+                <a:latin typeface="华文宋体" panose="02010600040101010101" pitchFamily="2" charset="-122"/>
+                <a:ea typeface="华文宋体" panose="02010600040101010101" pitchFamily="2" charset="-122"/>
+              </a:rPr>
+              <a:t>在这里填写文字</a:t>
+            </a:r>
+            <a:endParaRPr lang="en-US" altLang="zh-CN" sz="2000" dirty="0">
+              <a:solidFill>
+                <a:srgbClr val="FF0000"/>
+              </a:solidFill>
+              <a:latin typeface="华文宋体" panose="02010600040101010101" pitchFamily="2" charset="-122"/>
+              <a:ea typeface="华文宋体" panose="02010600040101010101" pitchFamily="2" charset="-122"/>
+            </a:endParaRPr>
+          </a:p>
+          <a:p>
+            <a:r>
+              <a:rPr lang="zh-CN" altLang="en-US" sz="2000" dirty="0">
+                <a:solidFill>
+                  <a:srgbClr val="FF0000"/>
+                </a:solidFill>
+                <a:latin typeface="华文宋体" panose="02010600040101010101" pitchFamily="2" charset="-122"/>
+                <a:ea typeface="华文宋体" panose="02010600040101010101" pitchFamily="2" charset="-122"/>
+              </a:rPr>
+              <a:t>在这里填写文字</a:t>
+            </a:r>
+            <a:endParaRPr lang="en-US" altLang="zh-CN" sz="2000" dirty="0">
+              <a:solidFill>
+                <a:srgbClr val="FF0000"/>
+              </a:solidFill>
+              <a:latin typeface="华文宋体" panose="02010600040101010101" pitchFamily="2" charset="-122"/>
+              <a:ea typeface="华文宋体" panose="02010600040101010101" pitchFamily="2" charset="-122"/>
+            </a:endParaRPr>
+          </a:p>
+          <a:p>
+            <a:r>
+              <a:rPr lang="zh-CN" altLang="en-US" sz="2000" dirty="0">
+                <a:solidFill>
+                  <a:srgbClr val="FF0000"/>
+                </a:solidFill>
+                <a:latin typeface="华文宋体" panose="02010600040101010101" pitchFamily="2" charset="-122"/>
+                <a:ea typeface="华文宋体" panose="02010600040101010101" pitchFamily="2" charset="-122"/>
+              </a:rPr>
+              <a:t>模板：带图片的正常页（请自行调整文本位置大小）</a:t>
+            </a:r>
+            <a:endParaRPr lang="en-US" altLang="zh-CN" sz="2000" dirty="0"/>
+          </a:p>
+        </p:txBody>
+      </p:sp>
+      <p:pic>
+        <p:nvPicPr>
+          <p:cNvPr id="3" name="图片 2">
+            <a:extLst>
+              <a:ext uri="{FF2B5EF4-FFF2-40B4-BE49-F238E27FC236}">
+                <a16:creationId xmlns:a16="http://schemas.microsoft.com/office/drawing/2014/main" id="{422852D3-0BF5-E545-272D-B92B9E8FC4CD}"/>
+              </a:ext>
+            </a:extLst>
+          </p:cNvPr>
+          <p:cNvPicPr>
+            <a:picLocks noChangeAspect="1"/>
+          </p:cNvPicPr>
+          <p:nvPr/>
+        </p:nvPicPr>
+        <p:blipFill>
+          <a:blip r:embed="rId4"/>
+          <a:stretch>
+            <a:fillRect/>
+          </a:stretch>
+        </p:blipFill>
+        <p:spPr>
+          <a:xfrm>
+            <a:off x="8339328" y="1926707"/>
+            <a:ext cx="3258702" cy="3549045"/>
+          </a:xfrm>
+          <a:prstGeom prst="rect">
+            <a:avLst/>
+          </a:prstGeom>
+        </p:spPr>
+      </p:pic>
+      <p:sp>
+        <p:nvSpPr>
+          <p:cNvPr id="4" name="文本框 3">
+            <a:extLst>
+              <a:ext uri="{FF2B5EF4-FFF2-40B4-BE49-F238E27FC236}">
+                <a16:creationId xmlns:a16="http://schemas.microsoft.com/office/drawing/2014/main" id="{25D2211D-A46D-47F4-18EE-6043D400D7AC}"/>
+              </a:ext>
+            </a:extLst>
+          </p:cNvPr>
+          <p:cNvSpPr txBox="1"/>
+          <p:nvPr/>
+        </p:nvSpPr>
+        <p:spPr>
+          <a:xfrm>
+            <a:off x="8217324" y="5478439"/>
+            <a:ext cx="3380706" cy="584775"/>
+          </a:xfrm>
+          <a:prstGeom prst="rect">
+            <a:avLst/>
+          </a:prstGeom>
+          <a:noFill/>
+        </p:spPr>
+        <p:txBody>
+          <a:bodyPr wrap="square" rtlCol="0">
+            <a:spAutoFit/>
+          </a:bodyPr>
+          <a:lstStyle/>
+          <a:p>
+            <a:r>
+              <a:rPr lang="zh-CN" altLang="en-US" sz="1600" dirty="0">
+                <a:solidFill>
+                  <a:schemeClr val="bg1">
+                    <a:lumMod val="65000"/>
+                  </a:schemeClr>
+                </a:solidFill>
+              </a:rPr>
+              <a:t>示例图片简介在此填写示例图片简介在此填写示例图片简介在此填写</a:t>
+            </a:r>
+          </a:p>
+        </p:txBody>
+      </p:sp>
+    </p:spTree>
+    <p:extLst>
+      <p:ext uri="{BB962C8B-B14F-4D97-AF65-F5344CB8AC3E}">
+        <p14:creationId xmlns:p14="http://schemas.microsoft.com/office/powerpoint/2010/main" val="3282120415"/>
+      </p:ext>
+    </p:extLst>
+  </p:cSld>
+  <p:clrMapOvr>
+    <a:masterClrMapping/>
+  </p:clrMapOvr>
+  <mc:AlternateContent xmlns:mc="http://schemas.openxmlformats.org/markup-compatibility/2006">
+    <mc:Choice xmlns:p159="http://schemas.microsoft.com/office/powerpoint/2015/09/main" Requires="p159">
+      <p:transition xmlns:p14="http://schemas.microsoft.com/office/powerpoint/2010/main" spd="slow" p14:dur="2000">
+        <p159:morph option="byObject"/>
+      </p:transition>
+    </mc:Choice>
+    <mc:Fallback>
+      <p:transition spd="slow">
+        <p:fade/>
+      </p:transition>
+    </mc:Fallback>
+  </mc:AlternateContent>
+</p:sld>
+</file>
+
+<file path=ppt/slides/slide6.xml><?xml version="1.0" encoding="utf-8"?>
+<p:sld xmlns:a="http://schemas.openxmlformats.org/drawingml/2006/main" xmlns:r="http://schemas.openxmlformats.org/officeDocument/2006/relationships" xmlns:p="http://schemas.openxmlformats.org/presentationml/2006/main">
+  <p:cSld>
+    <p:bg>
+      <p:bgPr>
+        <a:blipFill dpi="0" rotWithShape="1">
+          <a:blip r:embed="rId3">
+            <a:lum/>
+          </a:blip>
+          <a:srcRect/>
+          <a:stretch>
+            <a:fillRect/>
+          </a:stretch>
+        </a:blipFill>
+        <a:effectLst/>
+      </p:bgPr>
+    </p:bg>
+    <p:spTree>
+      <p:nvGrpSpPr>
+        <p:cNvPr id="1" name=""/>
+        <p:cNvGrpSpPr/>
+        <p:nvPr/>
+      </p:nvGrpSpPr>
+      <p:grpSpPr>
+        <a:xfrm>
+          <a:off x="0" y="0"/>
+          <a:ext cx="0" cy="0"/>
+          <a:chOff x="0" y="0"/>
+          <a:chExt cx="0" cy="0"/>
+        </a:xfrm>
+      </p:grpSpPr>
+      <p:sp>
+        <p:nvSpPr>
+          <p:cNvPr id="4" name="文本框 3">
+            <a:extLst>
+              <a:ext uri="{FF2B5EF4-FFF2-40B4-BE49-F238E27FC236}">
+                <a16:creationId xmlns:a16="http://schemas.microsoft.com/office/drawing/2014/main" id="{8A348EDA-BE75-073E-0B48-25560A4E3DE2}"/>
+              </a:ext>
+            </a:extLst>
+          </p:cNvPr>
+          <p:cNvSpPr txBox="1"/>
+          <p:nvPr/>
+        </p:nvSpPr>
+        <p:spPr>
+          <a:xfrm>
+            <a:off x="2688491" y="1749659"/>
+            <a:ext cx="7424615" cy="1200329"/>
+          </a:xfrm>
+          <a:prstGeom prst="rect">
+            <a:avLst/>
+          </a:prstGeom>
+          <a:noFill/>
+        </p:spPr>
+        <p:txBody>
+          <a:bodyPr wrap="square" rtlCol="0">
+            <a:spAutoFit/>
+          </a:bodyPr>
+          <a:lstStyle/>
+          <a:p>
+            <a:r>
+              <a:rPr lang="zh-CN" altLang="en-US" sz="7200" dirty="0">
+                <a:solidFill>
+                  <a:srgbClr val="FFFF00"/>
+                </a:solidFill>
+                <a:latin typeface="华文行楷" panose="02010800040101010101" pitchFamily="2" charset="-122"/>
+                <a:ea typeface="华文行楷" panose="02010800040101010101" pitchFamily="2" charset="-122"/>
+              </a:rPr>
+              <a:t>感谢大家的观看！</a:t>
+            </a:r>
+          </a:p>
+        </p:txBody>
+      </p:sp>
+      <p:sp>
+        <p:nvSpPr>
+          <p:cNvPr id="5" name="文本框 4">
+            <a:extLst>
+              <a:ext uri="{FF2B5EF4-FFF2-40B4-BE49-F238E27FC236}">
+                <a16:creationId xmlns:a16="http://schemas.microsoft.com/office/drawing/2014/main" id="{8C787E08-7368-54E3-88E5-945D60BC7EDA}"/>
+              </a:ext>
+            </a:extLst>
+          </p:cNvPr>
+          <p:cNvSpPr txBox="1"/>
+          <p:nvPr/>
+        </p:nvSpPr>
+        <p:spPr>
+          <a:xfrm>
+            <a:off x="3461740" y="3017494"/>
+            <a:ext cx="7424615" cy="1077218"/>
+          </a:xfrm>
+          <a:prstGeom prst="rect">
+            <a:avLst/>
+          </a:prstGeom>
+          <a:noFill/>
+        </p:spPr>
+        <p:txBody>
+          <a:bodyPr wrap="square" rtlCol="0">
+            <a:spAutoFit/>
+          </a:bodyPr>
+          <a:lstStyle/>
+          <a:p>
+            <a:pPr algn="r"/>
+            <a:r>
+              <a:rPr lang="en-US" altLang="zh-CN" sz="3200" dirty="0">
+                <a:solidFill>
+                  <a:srgbClr val="FFFF00"/>
+                </a:solidFill>
+                <a:latin typeface="华文行楷" panose="02010800040101010101" pitchFamily="2" charset="-122"/>
+                <a:ea typeface="华文行楷" panose="02010800040101010101" pitchFamily="2" charset="-122"/>
+              </a:rPr>
+              <a:t>2023.5.29</a:t>
+            </a:r>
+          </a:p>
+          <a:p>
+            <a:pPr algn="r"/>
+            <a:r>
+              <a:rPr lang="zh-CN" altLang="en-US" sz="3200" dirty="0">
+                <a:solidFill>
+                  <a:srgbClr val="FFFF00"/>
+                </a:solidFill>
+                <a:latin typeface="华文行楷" panose="02010800040101010101" pitchFamily="2" charset="-122"/>
+                <a:ea typeface="华文行楷" panose="02010800040101010101" pitchFamily="2" charset="-122"/>
+              </a:rPr>
+              <a:t>五（</a:t>
+            </a:r>
+            <a:r>
+              <a:rPr lang="en-US" altLang="zh-CN" sz="3200" dirty="0">
+                <a:solidFill>
+                  <a:srgbClr val="FFFF00"/>
+                </a:solidFill>
+                <a:latin typeface="华文行楷" panose="02010800040101010101" pitchFamily="2" charset="-122"/>
+                <a:ea typeface="华文行楷" panose="02010800040101010101" pitchFamily="2" charset="-122"/>
+              </a:rPr>
+              <a:t>10</a:t>
+            </a:r>
+            <a:r>
+              <a:rPr lang="zh-CN" altLang="en-US" sz="3200" dirty="0">
+                <a:solidFill>
+                  <a:srgbClr val="FFFF00"/>
+                </a:solidFill>
+                <a:latin typeface="华文行楷" panose="02010800040101010101" pitchFamily="2" charset="-122"/>
+                <a:ea typeface="华文行楷" panose="02010800040101010101" pitchFamily="2" charset="-122"/>
+              </a:rPr>
+              <a:t>）中队</a:t>
+            </a:r>
+          </a:p>
+        </p:txBody>
+      </p:sp>
+    </p:spTree>
+    <p:extLst>
+      <p:ext uri="{BB962C8B-B14F-4D97-AF65-F5344CB8AC3E}">
+        <p14:creationId xmlns:p14="http://schemas.microsoft.com/office/powerpoint/2010/main" val="3825591797"/>
+      </p:ext>
+    </p:extLst>
+  </p:cSld>
+  <p:clrMapOvr>
+    <a:masterClrMapping/>
+  </p:clrMapOvr>
+  <mc:AlternateContent xmlns:mc="http://schemas.openxmlformats.org/markup-compatibility/2006">
+    <mc:Choice xmlns:p159="http://schemas.microsoft.com/office/powerpoint/2015/09/main" Requires="p159">
+      <p:transition xmlns:p14="http://schemas.microsoft.com/office/powerpoint/2010/main" spd="slow" p14:dur="2000">
+        <p159:morph option="byObject"/>
+      </p:transition>
+    </mc:Choice>
+    <mc:Fallback>
+      <p:transition spd="slow">
+        <p:fade/>
+      </p:transition>
+    </mc:Fallback>
+  </mc:AlternateContent>
 </p:sld>
 </file>
 
